--- a/docs/diagrams/ModelComponentClassDiagram.pptx
+++ b/docs/diagrams/ModelComponentClassDiagram.pptx
@@ -208,7 +208,7 @@
           <a:p>
             <a:fld id="{F5CC4B3F-88C1-4FFA-B1B6-F41C21DC6924}" type="datetimeFigureOut">
               <a:rPr lang="en-US" smtClean="0"/>
-              <a:t>6/27/2018</a:t>
+              <a:t>10/15/2018</a:t>
             </a:fld>
             <a:endParaRPr lang="en-US"/>
           </a:p>
@@ -654,7 +654,7 @@
           <a:p>
             <a:fld id="{78C97017-6FC3-485B-9764-EAC9E56C1D49}" type="datetimeFigureOut">
               <a:rPr lang="en-US" smtClean="0"/>
-              <a:t>6/27/2018</a:t>
+              <a:t>10/15/2018</a:t>
             </a:fld>
             <a:endParaRPr lang="en-US"/>
           </a:p>
@@ -822,7 +822,7 @@
           <a:p>
             <a:fld id="{78C97017-6FC3-485B-9764-EAC9E56C1D49}" type="datetimeFigureOut">
               <a:rPr lang="en-US" smtClean="0"/>
-              <a:t>6/27/2018</a:t>
+              <a:t>10/15/2018</a:t>
             </a:fld>
             <a:endParaRPr lang="en-US"/>
           </a:p>
@@ -1000,7 +1000,7 @@
           <a:p>
             <a:fld id="{78C97017-6FC3-485B-9764-EAC9E56C1D49}" type="datetimeFigureOut">
               <a:rPr lang="en-US" smtClean="0"/>
-              <a:t>6/27/2018</a:t>
+              <a:t>10/15/2018</a:t>
             </a:fld>
             <a:endParaRPr lang="en-US"/>
           </a:p>
@@ -1168,7 +1168,7 @@
           <a:p>
             <a:fld id="{78C97017-6FC3-485B-9764-EAC9E56C1D49}" type="datetimeFigureOut">
               <a:rPr lang="en-US" smtClean="0"/>
-              <a:t>6/27/2018</a:t>
+              <a:t>10/15/2018</a:t>
             </a:fld>
             <a:endParaRPr lang="en-US"/>
           </a:p>
@@ -1413,7 +1413,7 @@
           <a:p>
             <a:fld id="{78C97017-6FC3-485B-9764-EAC9E56C1D49}" type="datetimeFigureOut">
               <a:rPr lang="en-US" smtClean="0"/>
-              <a:t>6/27/2018</a:t>
+              <a:t>10/15/2018</a:t>
             </a:fld>
             <a:endParaRPr lang="en-US"/>
           </a:p>
@@ -1698,7 +1698,7 @@
           <a:p>
             <a:fld id="{78C97017-6FC3-485B-9764-EAC9E56C1D49}" type="datetimeFigureOut">
               <a:rPr lang="en-US" smtClean="0"/>
-              <a:t>6/27/2018</a:t>
+              <a:t>10/15/2018</a:t>
             </a:fld>
             <a:endParaRPr lang="en-US"/>
           </a:p>
@@ -2117,7 +2117,7 @@
           <a:p>
             <a:fld id="{78C97017-6FC3-485B-9764-EAC9E56C1D49}" type="datetimeFigureOut">
               <a:rPr lang="en-US" smtClean="0"/>
-              <a:t>6/27/2018</a:t>
+              <a:t>10/15/2018</a:t>
             </a:fld>
             <a:endParaRPr lang="en-US"/>
           </a:p>
@@ -2234,7 +2234,7 @@
           <a:p>
             <a:fld id="{78C97017-6FC3-485B-9764-EAC9E56C1D49}" type="datetimeFigureOut">
               <a:rPr lang="en-US" smtClean="0"/>
-              <a:t>6/27/2018</a:t>
+              <a:t>10/15/2018</a:t>
             </a:fld>
             <a:endParaRPr lang="en-US"/>
           </a:p>
@@ -2329,7 +2329,7 @@
           <a:p>
             <a:fld id="{78C97017-6FC3-485B-9764-EAC9E56C1D49}" type="datetimeFigureOut">
               <a:rPr lang="en-US" smtClean="0"/>
-              <a:t>6/27/2018</a:t>
+              <a:t>10/15/2018</a:t>
             </a:fld>
             <a:endParaRPr lang="en-US"/>
           </a:p>
@@ -2604,7 +2604,7 @@
           <a:p>
             <a:fld id="{78C97017-6FC3-485B-9764-EAC9E56C1D49}" type="datetimeFigureOut">
               <a:rPr lang="en-US" smtClean="0"/>
-              <a:t>6/27/2018</a:t>
+              <a:t>10/15/2018</a:t>
             </a:fld>
             <a:endParaRPr lang="en-US"/>
           </a:p>
@@ -2856,7 +2856,7 @@
           <a:p>
             <a:fld id="{78C97017-6FC3-485B-9764-EAC9E56C1D49}" type="datetimeFigureOut">
               <a:rPr lang="en-US" smtClean="0"/>
-              <a:t>6/27/2018</a:t>
+              <a:t>10/15/2018</a:t>
             </a:fld>
             <a:endParaRPr lang="en-US"/>
           </a:p>
@@ -3067,7 +3067,7 @@
           <a:p>
             <a:fld id="{78C97017-6FC3-485B-9764-EAC9E56C1D49}" type="datetimeFigureOut">
               <a:rPr lang="en-US" smtClean="0"/>
-              <a:t>6/27/2018</a:t>
+              <a:t>10/15/2018</a:t>
             </a:fld>
             <a:endParaRPr lang="en-US"/>
           </a:p>
@@ -3450,8 +3450,8 @@
         </p:nvSpPr>
         <p:spPr>
           <a:xfrm>
-            <a:off x="1119865" y="1600200"/>
-            <a:ext cx="7490735" cy="3124200"/>
+            <a:off x="1127009" y="1610899"/>
+            <a:ext cx="7559791" cy="3401140"/>
           </a:xfrm>
           <a:prstGeom prst="roundRect">
             <a:avLst>
@@ -3994,7 +3994,7 @@
           <a:p>
             <a:pPr algn="ctr"/>
             <a:r>
-              <a:rPr lang="en-US" sz="1050" dirty="0" err="1" smtClean="0">
+              <a:rPr lang="en-US" sz="1050" dirty="0" err="1">
                 <a:solidFill>
                   <a:srgbClr val="7030A0"/>
                 </a:solidFill>
@@ -4348,8 +4348,8 @@
         </p:nvSpPr>
         <p:spPr>
           <a:xfrm>
-            <a:off x="7712397" y="2564238"/>
-            <a:ext cx="708186" cy="285783"/>
+            <a:off x="7712396" y="2564238"/>
+            <a:ext cx="893949" cy="285783"/>
           </a:xfrm>
           <a:prstGeom prst="rect">
             <a:avLst/>
@@ -4491,8 +4491,8 @@
         </p:nvSpPr>
         <p:spPr>
           <a:xfrm>
-            <a:off x="7712397" y="2887216"/>
-            <a:ext cx="708186" cy="285783"/>
+            <a:off x="7712396" y="2887216"/>
+            <a:ext cx="893949" cy="285783"/>
           </a:xfrm>
           <a:prstGeom prst="rect">
             <a:avLst/>
@@ -4543,6 +4543,7 @@
         <p:nvCxnSpPr>
           <p:cNvPr id="81" name="Elbow Connector 80"/>
           <p:cNvCxnSpPr>
+            <a:cxnSpLocks/>
             <a:stCxn id="78" idx="3"/>
             <a:endCxn id="80" idx="1"/>
           </p:cNvCxnSpPr>
@@ -4551,7 +4552,7 @@
         <p:spPr>
           <a:xfrm flipV="1">
             <a:off x="7277995" y="3030108"/>
-            <a:ext cx="434402" cy="4783"/>
+            <a:ext cx="434401" cy="4783"/>
           </a:xfrm>
           <a:prstGeom prst="bentConnector3">
             <a:avLst/>
@@ -4588,8 +4589,8 @@
         </p:nvSpPr>
         <p:spPr>
           <a:xfrm>
-            <a:off x="7712397" y="3210194"/>
-            <a:ext cx="708186" cy="285783"/>
+            <a:off x="7712396" y="3210194"/>
+            <a:ext cx="893949" cy="285783"/>
           </a:xfrm>
           <a:prstGeom prst="rect">
             <a:avLst/>
@@ -4640,6 +4641,7 @@
         <p:nvCxnSpPr>
           <p:cNvPr id="84" name="Elbow Connector 83"/>
           <p:cNvCxnSpPr>
+            <a:cxnSpLocks/>
             <a:stCxn id="78" idx="3"/>
             <a:endCxn id="83" idx="1"/>
           </p:cNvCxnSpPr>
@@ -4648,7 +4650,7 @@
         <p:spPr>
           <a:xfrm>
             <a:off x="7277995" y="3034891"/>
-            <a:ext cx="434402" cy="318195"/>
+            <a:ext cx="434401" cy="318195"/>
           </a:xfrm>
           <a:prstGeom prst="bentConnector3">
             <a:avLst/>
@@ -4685,8 +4687,8 @@
         </p:nvSpPr>
         <p:spPr>
           <a:xfrm>
-            <a:off x="7712397" y="3533171"/>
-            <a:ext cx="708186" cy="285783"/>
+            <a:off x="7712396" y="3533171"/>
+            <a:ext cx="893949" cy="285783"/>
           </a:xfrm>
           <a:prstGeom prst="rect">
             <a:avLst/>
@@ -4737,6 +4739,7 @@
         <p:nvCxnSpPr>
           <p:cNvPr id="86" name="Elbow Connector 85"/>
           <p:cNvCxnSpPr>
+            <a:cxnSpLocks/>
             <a:stCxn id="78" idx="3"/>
             <a:endCxn id="85" idx="1"/>
           </p:cNvCxnSpPr>
@@ -4745,7 +4748,7 @@
         <p:spPr>
           <a:xfrm>
             <a:off x="7277995" y="3034891"/>
-            <a:ext cx="434402" cy="641172"/>
+            <a:ext cx="434401" cy="641172"/>
           </a:xfrm>
           <a:prstGeom prst="bentConnector3">
             <a:avLst/>
@@ -5023,14 +5026,6 @@
               </a:rPr>
               <a:t>&lt;&lt;interface&gt;&gt;</a:t>
             </a:r>
-            <a:r>
-              <a:rPr lang="en-US" sz="1050">
-                <a:solidFill>
-                  <a:srgbClr val="7030A0"/>
-                </a:solidFill>
-              </a:rPr>
-              <a:t/>
-            </a:r>
             <a:br>
               <a:rPr lang="en-US" sz="1050">
                 <a:solidFill>
@@ -5305,8 +5300,8 @@
         </p:nvSpPr>
         <p:spPr>
           <a:xfrm>
-            <a:off x="7712397" y="2228817"/>
-            <a:ext cx="708186" cy="285783"/>
+            <a:off x="7712396" y="2228817"/>
+            <a:ext cx="893949" cy="285783"/>
           </a:xfrm>
           <a:prstGeom prst="rect">
             <a:avLst/>
@@ -5372,7 +5367,7 @@
         <p:spPr>
           <a:xfrm flipV="1">
             <a:off x="7277995" y="2371709"/>
-            <a:ext cx="434402" cy="663182"/>
+            <a:ext cx="434401" cy="663182"/>
           </a:xfrm>
           <a:prstGeom prst="bentConnector3">
             <a:avLst>
@@ -5623,6 +5618,454 @@
             <a:prstDash val="sysDot"/>
             <a:headEnd type="none" w="med" len="med"/>
             <a:tailEnd type="none" w="med" len="med"/>
+          </a:ln>
+          <a:effectLst/>
+        </p:spPr>
+        <p:style>
+          <a:lnRef idx="1">
+            <a:schemeClr val="accent2"/>
+          </a:lnRef>
+          <a:fillRef idx="2">
+            <a:schemeClr val="accent2"/>
+          </a:fillRef>
+          <a:effectRef idx="1">
+            <a:schemeClr val="accent2"/>
+          </a:effectRef>
+          <a:fontRef idx="minor">
+            <a:schemeClr val="dk1"/>
+          </a:fontRef>
+        </p:style>
+      </p:cxnSp>
+      <p:sp>
+        <p:nvSpPr>
+          <p:cNvPr id="56" name="Rectangle 8">
+            <a:extLst>
+              <a:ext uri="{FF2B5EF4-FFF2-40B4-BE49-F238E27FC236}">
+                <a16:creationId xmlns:a16="http://schemas.microsoft.com/office/drawing/2014/main" id="{5D3CD1F5-C42A-49F4-A507-1CAF83F1EDE8}"/>
+              </a:ext>
+            </a:extLst>
+          </p:cNvPr>
+          <p:cNvSpPr/>
+          <p:nvPr/>
+        </p:nvSpPr>
+        <p:spPr>
+          <a:xfrm>
+            <a:off x="7716652" y="3871836"/>
+            <a:ext cx="893949" cy="285783"/>
+          </a:xfrm>
+          <a:prstGeom prst="rect">
+            <a:avLst/>
+          </a:prstGeom>
+          <a:ln w="19050">
+            <a:solidFill>
+              <a:srgbClr val="7030A0"/>
+            </a:solidFill>
+          </a:ln>
+          <a:effectLst/>
+        </p:spPr>
+        <p:style>
+          <a:lnRef idx="1">
+            <a:schemeClr val="accent4"/>
+          </a:lnRef>
+          <a:fillRef idx="2">
+            <a:schemeClr val="accent4"/>
+          </a:fillRef>
+          <a:effectRef idx="1">
+            <a:schemeClr val="accent4"/>
+          </a:effectRef>
+          <a:fontRef idx="minor">
+            <a:schemeClr val="dk1"/>
+          </a:fontRef>
+        </p:style>
+        <p:txBody>
+          <a:bodyPr rtlCol="0" anchor="ctr"/>
+          <a:lstStyle/>
+          <a:p>
+            <a:pPr algn="ctr"/>
+            <a:r>
+              <a:rPr lang="en-US" sz="1050" dirty="0" err="1">
+                <a:solidFill>
+                  <a:srgbClr val="7030A0"/>
+                </a:solidFill>
+              </a:rPr>
+              <a:t>Nric</a:t>
+            </a:r>
+            <a:endParaRPr lang="en-SG" sz="1050" dirty="0">
+              <a:solidFill>
+                <a:srgbClr val="7030A0"/>
+              </a:solidFill>
+            </a:endParaRPr>
+          </a:p>
+        </p:txBody>
+      </p:sp>
+      <p:sp>
+        <p:nvSpPr>
+          <p:cNvPr id="57" name="Rectangle 8">
+            <a:extLst>
+              <a:ext uri="{FF2B5EF4-FFF2-40B4-BE49-F238E27FC236}">
+                <a16:creationId xmlns:a16="http://schemas.microsoft.com/office/drawing/2014/main" id="{1D68D65E-3CA3-41FD-B787-5D4459E1265A}"/>
+              </a:ext>
+            </a:extLst>
+          </p:cNvPr>
+          <p:cNvSpPr/>
+          <p:nvPr/>
+        </p:nvSpPr>
+        <p:spPr>
+          <a:xfrm>
+            <a:off x="7712396" y="4207257"/>
+            <a:ext cx="893949" cy="285783"/>
+          </a:xfrm>
+          <a:prstGeom prst="rect">
+            <a:avLst/>
+          </a:prstGeom>
+          <a:ln w="19050">
+            <a:solidFill>
+              <a:srgbClr val="7030A0"/>
+            </a:solidFill>
+          </a:ln>
+          <a:effectLst/>
+        </p:spPr>
+        <p:style>
+          <a:lnRef idx="1">
+            <a:schemeClr val="accent4"/>
+          </a:lnRef>
+          <a:fillRef idx="2">
+            <a:schemeClr val="accent4"/>
+          </a:fillRef>
+          <a:effectRef idx="1">
+            <a:schemeClr val="accent4"/>
+          </a:effectRef>
+          <a:fontRef idx="minor">
+            <a:schemeClr val="dk1"/>
+          </a:fontRef>
+        </p:style>
+        <p:txBody>
+          <a:bodyPr rtlCol="0" anchor="ctr"/>
+          <a:lstStyle/>
+          <a:p>
+            <a:pPr algn="ctr"/>
+            <a:r>
+              <a:rPr lang="en-US" sz="1050" dirty="0">
+                <a:solidFill>
+                  <a:srgbClr val="7030A0"/>
+                </a:solidFill>
+              </a:rPr>
+              <a:t>Password</a:t>
+            </a:r>
+            <a:endParaRPr lang="en-SG" sz="1050" dirty="0">
+              <a:solidFill>
+                <a:srgbClr val="7030A0"/>
+              </a:solidFill>
+            </a:endParaRPr>
+          </a:p>
+        </p:txBody>
+      </p:sp>
+      <p:sp>
+        <p:nvSpPr>
+          <p:cNvPr id="59" name="Rectangle 8">
+            <a:extLst>
+              <a:ext uri="{FF2B5EF4-FFF2-40B4-BE49-F238E27FC236}">
+                <a16:creationId xmlns:a16="http://schemas.microsoft.com/office/drawing/2014/main" id="{3E19803D-2A74-4410-BF6E-CCFF0A1FFA75}"/>
+              </a:ext>
+            </a:extLst>
+          </p:cNvPr>
+          <p:cNvSpPr/>
+          <p:nvPr/>
+        </p:nvSpPr>
+        <p:spPr>
+          <a:xfrm>
+            <a:off x="7712396" y="1902080"/>
+            <a:ext cx="893949" cy="285783"/>
+          </a:xfrm>
+          <a:prstGeom prst="rect">
+            <a:avLst/>
+          </a:prstGeom>
+          <a:ln w="19050">
+            <a:solidFill>
+              <a:srgbClr val="7030A0"/>
+            </a:solidFill>
+          </a:ln>
+          <a:effectLst/>
+        </p:spPr>
+        <p:style>
+          <a:lnRef idx="1">
+            <a:schemeClr val="accent4"/>
+          </a:lnRef>
+          <a:fillRef idx="2">
+            <a:schemeClr val="accent4"/>
+          </a:fillRef>
+          <a:effectRef idx="1">
+            <a:schemeClr val="accent4"/>
+          </a:effectRef>
+          <a:fontRef idx="minor">
+            <a:schemeClr val="dk1"/>
+          </a:fontRef>
+        </p:style>
+        <p:txBody>
+          <a:bodyPr rtlCol="0" anchor="ctr"/>
+          <a:lstStyle/>
+          <a:p>
+            <a:pPr algn="ctr"/>
+            <a:r>
+              <a:rPr lang="en-US" sz="1050" dirty="0">
+                <a:solidFill>
+                  <a:srgbClr val="7030A0"/>
+                </a:solidFill>
+              </a:rPr>
+              <a:t>Priority Level</a:t>
+            </a:r>
+            <a:endParaRPr lang="en-SG" sz="1050" dirty="0">
+              <a:solidFill>
+                <a:srgbClr val="7030A0"/>
+              </a:solidFill>
+            </a:endParaRPr>
+          </a:p>
+        </p:txBody>
+      </p:sp>
+      <p:cxnSp>
+        <p:nvCxnSpPr>
+          <p:cNvPr id="71" name="Elbow Connector 78">
+            <a:extLst>
+              <a:ext uri="{FF2B5EF4-FFF2-40B4-BE49-F238E27FC236}">
+                <a16:creationId xmlns:a16="http://schemas.microsoft.com/office/drawing/2014/main" id="{6EA0EA1D-B248-42D1-AC98-63B9E6A4BF36}"/>
+              </a:ext>
+            </a:extLst>
+          </p:cNvPr>
+          <p:cNvCxnSpPr>
+            <a:cxnSpLocks/>
+            <a:stCxn id="78" idx="3"/>
+            <a:endCxn id="59" idx="1"/>
+          </p:cNvCxnSpPr>
+          <p:nvPr/>
+        </p:nvCxnSpPr>
+        <p:spPr>
+          <a:xfrm flipV="1">
+            <a:off x="7277995" y="2044972"/>
+            <a:ext cx="434401" cy="989919"/>
+          </a:xfrm>
+          <a:prstGeom prst="bentConnector3">
+            <a:avLst>
+              <a:gd name="adj1" fmla="val 50000"/>
+            </a:avLst>
+          </a:prstGeom>
+          <a:ln w="19050">
+            <a:solidFill>
+              <a:srgbClr val="7030A0"/>
+            </a:solidFill>
+            <a:headEnd type="none" w="med" len="med"/>
+            <a:tailEnd type="arrow" w="med" len="med"/>
+          </a:ln>
+          <a:effectLst/>
+        </p:spPr>
+        <p:style>
+          <a:lnRef idx="1">
+            <a:schemeClr val="accent2"/>
+          </a:lnRef>
+          <a:fillRef idx="2">
+            <a:schemeClr val="accent2"/>
+          </a:fillRef>
+          <a:effectRef idx="1">
+            <a:schemeClr val="accent2"/>
+          </a:effectRef>
+          <a:fontRef idx="minor">
+            <a:schemeClr val="dk1"/>
+          </a:fontRef>
+        </p:style>
+      </p:cxnSp>
+      <p:cxnSp>
+        <p:nvCxnSpPr>
+          <p:cNvPr id="72" name="Elbow Connector 78">
+            <a:extLst>
+              <a:ext uri="{FF2B5EF4-FFF2-40B4-BE49-F238E27FC236}">
+                <a16:creationId xmlns:a16="http://schemas.microsoft.com/office/drawing/2014/main" id="{27906B74-66F0-465A-9245-F2704DCBA9B5}"/>
+              </a:ext>
+            </a:extLst>
+          </p:cNvPr>
+          <p:cNvCxnSpPr>
+            <a:cxnSpLocks/>
+            <a:stCxn id="78" idx="3"/>
+            <a:endCxn id="56" idx="1"/>
+          </p:cNvCxnSpPr>
+          <p:nvPr/>
+        </p:nvCxnSpPr>
+        <p:spPr>
+          <a:xfrm>
+            <a:off x="7277995" y="3034891"/>
+            <a:ext cx="438657" cy="979837"/>
+          </a:xfrm>
+          <a:prstGeom prst="bentConnector3">
+            <a:avLst>
+              <a:gd name="adj1" fmla="val 50000"/>
+            </a:avLst>
+          </a:prstGeom>
+          <a:ln w="19050">
+            <a:solidFill>
+              <a:srgbClr val="7030A0"/>
+            </a:solidFill>
+            <a:headEnd type="none" w="med" len="med"/>
+            <a:tailEnd type="arrow" w="med" len="med"/>
+          </a:ln>
+          <a:effectLst/>
+        </p:spPr>
+        <p:style>
+          <a:lnRef idx="1">
+            <a:schemeClr val="accent2"/>
+          </a:lnRef>
+          <a:fillRef idx="2">
+            <a:schemeClr val="accent2"/>
+          </a:fillRef>
+          <a:effectRef idx="1">
+            <a:schemeClr val="accent2"/>
+          </a:effectRef>
+          <a:fontRef idx="minor">
+            <a:schemeClr val="dk1"/>
+          </a:fontRef>
+        </p:style>
+      </p:cxnSp>
+      <p:cxnSp>
+        <p:nvCxnSpPr>
+          <p:cNvPr id="73" name="Elbow Connector 78">
+            <a:extLst>
+              <a:ext uri="{FF2B5EF4-FFF2-40B4-BE49-F238E27FC236}">
+                <a16:creationId xmlns:a16="http://schemas.microsoft.com/office/drawing/2014/main" id="{4EDEB23F-0729-4572-8C7B-FB6847CB8784}"/>
+              </a:ext>
+            </a:extLst>
+          </p:cNvPr>
+          <p:cNvCxnSpPr>
+            <a:cxnSpLocks/>
+            <a:stCxn id="78" idx="3"/>
+            <a:endCxn id="57" idx="1"/>
+          </p:cNvCxnSpPr>
+          <p:nvPr/>
+        </p:nvCxnSpPr>
+        <p:spPr>
+          <a:xfrm>
+            <a:off x="7277995" y="3034891"/>
+            <a:ext cx="434401" cy="1315258"/>
+          </a:xfrm>
+          <a:prstGeom prst="bentConnector3">
+            <a:avLst>
+              <a:gd name="adj1" fmla="val 50000"/>
+            </a:avLst>
+          </a:prstGeom>
+          <a:ln w="19050">
+            <a:solidFill>
+              <a:srgbClr val="7030A0"/>
+            </a:solidFill>
+            <a:headEnd type="none" w="med" len="med"/>
+            <a:tailEnd type="arrow" w="med" len="med"/>
+          </a:ln>
+          <a:effectLst/>
+        </p:spPr>
+        <p:style>
+          <a:lnRef idx="1">
+            <a:schemeClr val="accent2"/>
+          </a:lnRef>
+          <a:fillRef idx="2">
+            <a:schemeClr val="accent2"/>
+          </a:fillRef>
+          <a:effectRef idx="1">
+            <a:schemeClr val="accent2"/>
+          </a:effectRef>
+          <a:fontRef idx="minor">
+            <a:schemeClr val="dk1"/>
+          </a:fontRef>
+        </p:style>
+      </p:cxnSp>
+      <p:sp>
+        <p:nvSpPr>
+          <p:cNvPr id="74" name="Rectangle 8">
+            <a:extLst>
+              <a:ext uri="{FF2B5EF4-FFF2-40B4-BE49-F238E27FC236}">
+                <a16:creationId xmlns:a16="http://schemas.microsoft.com/office/drawing/2014/main" id="{3E28DE11-038B-4078-A00D-D599C814C997}"/>
+              </a:ext>
+            </a:extLst>
+          </p:cNvPr>
+          <p:cNvSpPr/>
+          <p:nvPr/>
+        </p:nvSpPr>
+        <p:spPr>
+          <a:xfrm>
+            <a:off x="7712396" y="4542928"/>
+            <a:ext cx="893949" cy="285783"/>
+          </a:xfrm>
+          <a:prstGeom prst="rect">
+            <a:avLst/>
+          </a:prstGeom>
+          <a:ln w="19050">
+            <a:solidFill>
+              <a:srgbClr val="7030A0"/>
+            </a:solidFill>
+          </a:ln>
+          <a:effectLst/>
+        </p:spPr>
+        <p:style>
+          <a:lnRef idx="1">
+            <a:schemeClr val="accent4"/>
+          </a:lnRef>
+          <a:fillRef idx="2">
+            <a:schemeClr val="accent4"/>
+          </a:fillRef>
+          <a:effectRef idx="1">
+            <a:schemeClr val="accent4"/>
+          </a:effectRef>
+          <a:fontRef idx="minor">
+            <a:schemeClr val="dk1"/>
+          </a:fontRef>
+        </p:style>
+        <p:txBody>
+          <a:bodyPr rtlCol="0" anchor="ctr"/>
+          <a:lstStyle/>
+          <a:p>
+            <a:pPr algn="ctr"/>
+            <a:r>
+              <a:rPr lang="en-US" sz="1050" dirty="0">
+                <a:solidFill>
+                  <a:srgbClr val="7030A0"/>
+                </a:solidFill>
+              </a:rPr>
+              <a:t>Department</a:t>
+            </a:r>
+            <a:endParaRPr lang="en-SG" sz="1050" dirty="0">
+              <a:solidFill>
+                <a:srgbClr val="7030A0"/>
+              </a:solidFill>
+            </a:endParaRPr>
+          </a:p>
+        </p:txBody>
+      </p:sp>
+      <p:cxnSp>
+        <p:nvCxnSpPr>
+          <p:cNvPr id="77" name="Elbow Connector 78">
+            <a:extLst>
+              <a:ext uri="{FF2B5EF4-FFF2-40B4-BE49-F238E27FC236}">
+                <a16:creationId xmlns:a16="http://schemas.microsoft.com/office/drawing/2014/main" id="{8A4DBA9A-CB1B-41B2-8EE8-FAE1722D3B12}"/>
+              </a:ext>
+            </a:extLst>
+          </p:cNvPr>
+          <p:cNvCxnSpPr>
+            <a:cxnSpLocks/>
+            <a:stCxn id="78" idx="3"/>
+            <a:endCxn id="74" idx="1"/>
+          </p:cNvCxnSpPr>
+          <p:nvPr/>
+        </p:nvCxnSpPr>
+        <p:spPr>
+          <a:xfrm>
+            <a:off x="7277995" y="3034891"/>
+            <a:ext cx="434401" cy="1650929"/>
+          </a:xfrm>
+          <a:prstGeom prst="bentConnector3">
+            <a:avLst>
+              <a:gd name="adj1" fmla="val 50000"/>
+            </a:avLst>
+          </a:prstGeom>
+          <a:ln w="19050">
+            <a:solidFill>
+              <a:srgbClr val="7030A0"/>
+            </a:solidFill>
+            <a:headEnd type="none" w="med" len="med"/>
+            <a:tailEnd type="arrow" w="med" len="med"/>
           </a:ln>
           <a:effectLst/>
         </p:spPr>

--- a/docs/diagrams/ModelComponentClassDiagram.pptx
+++ b/docs/diagrams/ModelComponentClassDiagram.pptx
@@ -208,7 +208,7 @@
           <a:p>
             <a:fld id="{F5CC4B3F-88C1-4FFA-B1B6-F41C21DC6924}" type="datetimeFigureOut">
               <a:rPr lang="en-US" smtClean="0"/>
-              <a:t>10/15/2018</a:t>
+              <a:t>11/9/2018</a:t>
             </a:fld>
             <a:endParaRPr lang="en-US"/>
           </a:p>
@@ -654,7 +654,7 @@
           <a:p>
             <a:fld id="{78C97017-6FC3-485B-9764-EAC9E56C1D49}" type="datetimeFigureOut">
               <a:rPr lang="en-US" smtClean="0"/>
-              <a:t>10/15/2018</a:t>
+              <a:t>11/9/2018</a:t>
             </a:fld>
             <a:endParaRPr lang="en-US"/>
           </a:p>
@@ -822,7 +822,7 @@
           <a:p>
             <a:fld id="{78C97017-6FC3-485B-9764-EAC9E56C1D49}" type="datetimeFigureOut">
               <a:rPr lang="en-US" smtClean="0"/>
-              <a:t>10/15/2018</a:t>
+              <a:t>11/9/2018</a:t>
             </a:fld>
             <a:endParaRPr lang="en-US"/>
           </a:p>
@@ -1000,7 +1000,7 @@
           <a:p>
             <a:fld id="{78C97017-6FC3-485B-9764-EAC9E56C1D49}" type="datetimeFigureOut">
               <a:rPr lang="en-US" smtClean="0"/>
-              <a:t>10/15/2018</a:t>
+              <a:t>11/9/2018</a:t>
             </a:fld>
             <a:endParaRPr lang="en-US"/>
           </a:p>
@@ -1168,7 +1168,7 @@
           <a:p>
             <a:fld id="{78C97017-6FC3-485B-9764-EAC9E56C1D49}" type="datetimeFigureOut">
               <a:rPr lang="en-US" smtClean="0"/>
-              <a:t>10/15/2018</a:t>
+              <a:t>11/9/2018</a:t>
             </a:fld>
             <a:endParaRPr lang="en-US"/>
           </a:p>
@@ -1413,7 +1413,7 @@
           <a:p>
             <a:fld id="{78C97017-6FC3-485B-9764-EAC9E56C1D49}" type="datetimeFigureOut">
               <a:rPr lang="en-US" smtClean="0"/>
-              <a:t>10/15/2018</a:t>
+              <a:t>11/9/2018</a:t>
             </a:fld>
             <a:endParaRPr lang="en-US"/>
           </a:p>
@@ -1698,7 +1698,7 @@
           <a:p>
             <a:fld id="{78C97017-6FC3-485B-9764-EAC9E56C1D49}" type="datetimeFigureOut">
               <a:rPr lang="en-US" smtClean="0"/>
-              <a:t>10/15/2018</a:t>
+              <a:t>11/9/2018</a:t>
             </a:fld>
             <a:endParaRPr lang="en-US"/>
           </a:p>
@@ -2117,7 +2117,7 @@
           <a:p>
             <a:fld id="{78C97017-6FC3-485B-9764-EAC9E56C1D49}" type="datetimeFigureOut">
               <a:rPr lang="en-US" smtClean="0"/>
-              <a:t>10/15/2018</a:t>
+              <a:t>11/9/2018</a:t>
             </a:fld>
             <a:endParaRPr lang="en-US"/>
           </a:p>
@@ -2234,7 +2234,7 @@
           <a:p>
             <a:fld id="{78C97017-6FC3-485B-9764-EAC9E56C1D49}" type="datetimeFigureOut">
               <a:rPr lang="en-US" smtClean="0"/>
-              <a:t>10/15/2018</a:t>
+              <a:t>11/9/2018</a:t>
             </a:fld>
             <a:endParaRPr lang="en-US"/>
           </a:p>
@@ -2329,7 +2329,7 @@
           <a:p>
             <a:fld id="{78C97017-6FC3-485B-9764-EAC9E56C1D49}" type="datetimeFigureOut">
               <a:rPr lang="en-US" smtClean="0"/>
-              <a:t>10/15/2018</a:t>
+              <a:t>11/9/2018</a:t>
             </a:fld>
             <a:endParaRPr lang="en-US"/>
           </a:p>
@@ -2604,7 +2604,7 @@
           <a:p>
             <a:fld id="{78C97017-6FC3-485B-9764-EAC9E56C1D49}" type="datetimeFigureOut">
               <a:rPr lang="en-US" smtClean="0"/>
-              <a:t>10/15/2018</a:t>
+              <a:t>11/9/2018</a:t>
             </a:fld>
             <a:endParaRPr lang="en-US"/>
           </a:p>
@@ -2856,7 +2856,7 @@
           <a:p>
             <a:fld id="{78C97017-6FC3-485B-9764-EAC9E56C1D49}" type="datetimeFigureOut">
               <a:rPr lang="en-US" smtClean="0"/>
-              <a:t>10/15/2018</a:t>
+              <a:t>11/9/2018</a:t>
             </a:fld>
             <a:endParaRPr lang="en-US"/>
           </a:p>
@@ -3067,7 +3067,7 @@
           <a:p>
             <a:fld id="{78C97017-6FC3-485B-9764-EAC9E56C1D49}" type="datetimeFigureOut">
               <a:rPr lang="en-US" smtClean="0"/>
-              <a:t>10/15/2018</a:t>
+              <a:t>11/9/2018</a:t>
             </a:fld>
             <a:endParaRPr lang="en-US"/>
           </a:p>
@@ -3428,6 +3428,16 @@
 <file path=ppt/slides/slide1.xml><?xml version="1.0" encoding="utf-8"?>
 <p:sld xmlns:a="http://schemas.openxmlformats.org/drawingml/2006/main" xmlns:r="http://schemas.openxmlformats.org/officeDocument/2006/relationships" xmlns:p="http://schemas.openxmlformats.org/presentationml/2006/main">
   <p:cSld>
+    <p:bg>
+      <p:bgPr>
+        <a:solidFill>
+          <a:schemeClr val="bg1">
+            <a:alpha val="0"/>
+          </a:schemeClr>
+        </a:solidFill>
+        <a:effectLst/>
+      </p:bgPr>
+    </p:bg>
     <p:spTree>
       <p:nvGrpSpPr>
         <p:cNvPr id="1" name=""/>
@@ -3450,8 +3460,8 @@
         </p:nvSpPr>
         <p:spPr>
           <a:xfrm>
-            <a:off x="1127009" y="1610899"/>
-            <a:ext cx="7559791" cy="3401140"/>
+            <a:off x="366071" y="1225538"/>
+            <a:ext cx="8671336" cy="5486400"/>
           </a:xfrm>
           <a:prstGeom prst="roundRect">
             <a:avLst>
@@ -3488,14 +3498,14 @@
           <a:lstStyle/>
           <a:p>
             <a:r>
-              <a:rPr lang="en-US" sz="1200" b="1" dirty="0">
+              <a:rPr lang="en-US" sz="1100" b="1" dirty="0">
                 <a:solidFill>
                   <a:srgbClr val="7030A0"/>
                 </a:solidFill>
               </a:rPr>
               <a:t>Model</a:t>
             </a:r>
-            <a:endParaRPr lang="en-SG" sz="1200" b="1" dirty="0">
+            <a:endParaRPr lang="en-SG" sz="1100" b="1" dirty="0">
               <a:solidFill>
                 <a:srgbClr val="7030A0"/>
               </a:solidFill>
@@ -3511,7 +3521,7 @@
         </p:nvSpPr>
         <p:spPr>
           <a:xfrm>
-            <a:off x="2877180" y="3463240"/>
+            <a:off x="1982329" y="3158440"/>
             <a:ext cx="1093635" cy="346760"/>
           </a:xfrm>
           <a:prstGeom prst="rect">
@@ -3570,7 +3580,7 @@
         </p:nvSpPr>
         <p:spPr>
           <a:xfrm rot="16200000">
-            <a:off x="1661548" y="3097750"/>
+            <a:off x="766697" y="2792950"/>
             <a:ext cx="1093635" cy="346760"/>
           </a:xfrm>
           <a:prstGeom prst="rect">
@@ -3633,7 +3643,7 @@
         </p:nvCxnSpPr>
         <p:spPr>
           <a:xfrm rot="5400000" flipH="1" flipV="1">
-            <a:off x="4131507" y="1281685"/>
+            <a:off x="3236656" y="976885"/>
             <a:ext cx="613122" cy="4459404"/>
           </a:xfrm>
           <a:prstGeom prst="bentConnector3">
@@ -3674,7 +3684,7 @@
         </p:nvSpPr>
         <p:spPr>
           <a:xfrm rot="16200000">
-            <a:off x="956202" y="2861202"/>
+            <a:off x="61351" y="2556402"/>
             <a:ext cx="1093635" cy="346760"/>
           </a:xfrm>
           <a:prstGeom prst="rect">
@@ -3744,7 +3754,7 @@
         </p:nvSpPr>
         <p:spPr>
           <a:xfrm rot="16200000">
-            <a:off x="1626910" y="2952291"/>
+            <a:off x="732059" y="2647491"/>
             <a:ext cx="270504" cy="175523"/>
           </a:xfrm>
           <a:prstGeom prst="triangle">
@@ -3794,7 +3804,7 @@
         </p:nvCxnSpPr>
         <p:spPr>
           <a:xfrm>
-            <a:off x="2609828" y="3636620"/>
+            <a:off x="1714977" y="3331820"/>
             <a:ext cx="267352" cy="0"/>
           </a:xfrm>
           <a:prstGeom prst="straightConnector1">
@@ -3832,7 +3842,7 @@
         </p:nvCxnSpPr>
         <p:spPr>
           <a:xfrm>
-            <a:off x="910091" y="3040053"/>
+            <a:off x="15240" y="2735253"/>
             <a:ext cx="419548" cy="2860"/>
           </a:xfrm>
           <a:prstGeom prst="bentConnector3">
@@ -3877,7 +3887,7 @@
         </p:nvCxnSpPr>
         <p:spPr>
           <a:xfrm flipV="1">
-            <a:off x="1849924" y="3040052"/>
+            <a:off x="955073" y="2735252"/>
             <a:ext cx="216105" cy="1"/>
           </a:xfrm>
           <a:prstGeom prst="line">
@@ -3916,7 +3926,7 @@
         </p:nvSpPr>
         <p:spPr>
           <a:xfrm>
-            <a:off x="2373780" y="3549930"/>
+            <a:off x="1478929" y="3245130"/>
             <a:ext cx="236048" cy="173380"/>
           </a:xfrm>
           <a:prstGeom prst="flowChartDecision">
@@ -3961,7 +3971,7 @@
         </p:nvSpPr>
         <p:spPr>
           <a:xfrm>
-            <a:off x="2825280" y="2846162"/>
+            <a:off x="1930429" y="2541362"/>
             <a:ext cx="1490560" cy="334856"/>
           </a:xfrm>
           <a:prstGeom prst="rect">
@@ -4020,7 +4030,7 @@
         </p:nvCxnSpPr>
         <p:spPr>
           <a:xfrm>
-            <a:off x="2624360" y="3003033"/>
+            <a:off x="1729509" y="2698233"/>
             <a:ext cx="200920" cy="10557"/>
           </a:xfrm>
           <a:prstGeom prst="straightConnector1">
@@ -4058,7 +4068,7 @@
         </p:nvSpPr>
         <p:spPr>
           <a:xfrm>
-            <a:off x="2388312" y="2916343"/>
+            <a:off x="1493461" y="2611543"/>
             <a:ext cx="236048" cy="173380"/>
           </a:xfrm>
           <a:prstGeom prst="flowChartDecision">
@@ -4103,7 +4113,7 @@
         </p:nvSpPr>
         <p:spPr>
           <a:xfrm>
-            <a:off x="4692650" y="2846162"/>
+            <a:off x="3797799" y="2541362"/>
             <a:ext cx="1156969" cy="346760"/>
           </a:xfrm>
           <a:prstGeom prst="rect">
@@ -4159,7 +4169,7 @@
         </p:nvSpPr>
         <p:spPr>
           <a:xfrm>
-            <a:off x="4324972" y="2920532"/>
+            <a:off x="3430121" y="2615732"/>
             <a:ext cx="236048" cy="173380"/>
           </a:xfrm>
           <a:prstGeom prst="flowChartDecision">
@@ -4206,7 +4216,7 @@
         </p:nvSpPr>
         <p:spPr>
           <a:xfrm>
-            <a:off x="6313677" y="2858066"/>
+            <a:off x="5418826" y="2553266"/>
             <a:ext cx="708186" cy="346760"/>
           </a:xfrm>
           <a:prstGeom prst="rect">
@@ -4262,7 +4272,7 @@
         </p:nvSpPr>
         <p:spPr>
           <a:xfrm>
-            <a:off x="5858751" y="2941676"/>
+            <a:off x="4963900" y="2636876"/>
             <a:ext cx="236048" cy="173380"/>
           </a:xfrm>
           <a:prstGeom prst="flowChartDecision">
@@ -4310,7 +4320,7 @@
         </p:nvCxnSpPr>
         <p:spPr>
           <a:xfrm>
-            <a:off x="6094799" y="3028366"/>
+            <a:off x="5199948" y="2723566"/>
             <a:ext cx="218878" cy="3080"/>
           </a:xfrm>
           <a:prstGeom prst="bentConnector3">
@@ -4348,7 +4358,7 @@
         </p:nvSpPr>
         <p:spPr>
           <a:xfrm>
-            <a:off x="7712396" y="2564238"/>
+            <a:off x="6817545" y="2259438"/>
             <a:ext cx="893949" cy="285783"/>
           </a:xfrm>
           <a:prstGeom prst="rect">
@@ -4404,7 +4414,7 @@
         </p:nvSpPr>
         <p:spPr>
           <a:xfrm>
-            <a:off x="7041947" y="2948201"/>
+            <a:off x="6147096" y="2643401"/>
             <a:ext cx="236048" cy="173380"/>
           </a:xfrm>
           <a:prstGeom prst="flowChartDecision">
@@ -4453,7 +4463,7 @@
         </p:nvCxnSpPr>
         <p:spPr>
           <a:xfrm flipV="1">
-            <a:off x="7277995" y="2706821"/>
+            <a:off x="6383144" y="2402021"/>
             <a:ext cx="434402" cy="327761"/>
           </a:xfrm>
           <a:prstGeom prst="bentConnector3">
@@ -4491,7 +4501,7 @@
         </p:nvSpPr>
         <p:spPr>
           <a:xfrm>
-            <a:off x="7712396" y="2887216"/>
+            <a:off x="6817545" y="2582416"/>
             <a:ext cx="893949" cy="285783"/>
           </a:xfrm>
           <a:prstGeom prst="rect">
@@ -4551,7 +4561,7 @@
         </p:nvCxnSpPr>
         <p:spPr>
           <a:xfrm flipV="1">
-            <a:off x="7277995" y="3030108"/>
+            <a:off x="6383144" y="2725308"/>
             <a:ext cx="434401" cy="4783"/>
           </a:xfrm>
           <a:prstGeom prst="bentConnector3">
@@ -4589,7 +4599,7 @@
         </p:nvSpPr>
         <p:spPr>
           <a:xfrm>
-            <a:off x="7712396" y="3210194"/>
+            <a:off x="6817545" y="2905394"/>
             <a:ext cx="893949" cy="285783"/>
           </a:xfrm>
           <a:prstGeom prst="rect">
@@ -4649,7 +4659,7 @@
         </p:nvCxnSpPr>
         <p:spPr>
           <a:xfrm>
-            <a:off x="7277995" y="3034891"/>
+            <a:off x="6383144" y="2730091"/>
             <a:ext cx="434401" cy="318195"/>
           </a:xfrm>
           <a:prstGeom prst="bentConnector3">
@@ -4687,7 +4697,7 @@
         </p:nvSpPr>
         <p:spPr>
           <a:xfrm>
-            <a:off x="7712396" y="3533171"/>
+            <a:off x="6817545" y="3228371"/>
             <a:ext cx="893949" cy="285783"/>
           </a:xfrm>
           <a:prstGeom prst="rect">
@@ -4747,7 +4757,7 @@
         </p:nvCxnSpPr>
         <p:spPr>
           <a:xfrm>
-            <a:off x="7277995" y="3034891"/>
+            <a:off x="6383144" y="2730091"/>
             <a:ext cx="434401" cy="641172"/>
           </a:xfrm>
           <a:prstGeom prst="bentConnector3">
@@ -4787,7 +4797,7 @@
         </p:nvCxnSpPr>
         <p:spPr>
           <a:xfrm rot="5400000">
-            <a:off x="3553611" y="2687559"/>
+            <a:off x="2658760" y="2382759"/>
             <a:ext cx="293825" cy="5938"/>
           </a:xfrm>
           <a:prstGeom prst="bentConnector3">
@@ -4828,7 +4838,7 @@
         </p:nvSpPr>
         <p:spPr>
           <a:xfrm rot="10800000" flipV="1">
-            <a:off x="3562299" y="2386554"/>
+            <a:off x="2667448" y="2081754"/>
             <a:ext cx="282387" cy="157062"/>
           </a:xfrm>
           <a:prstGeom prst="triangle">
@@ -4876,7 +4886,7 @@
         </p:nvSpPr>
         <p:spPr>
           <a:xfrm>
-            <a:off x="1260922" y="1998350"/>
+            <a:off x="366071" y="1693550"/>
             <a:ext cx="1443661" cy="364396"/>
           </a:xfrm>
           <a:prstGeom prst="rect">
@@ -4947,7 +4957,7 @@
         </p:nvSpPr>
         <p:spPr>
           <a:xfrm rot="16200000">
-            <a:off x="6362886" y="3586305"/>
+            <a:off x="5468035" y="3281505"/>
             <a:ext cx="881018" cy="261610"/>
           </a:xfrm>
           <a:prstGeom prst="rect">
@@ -4986,7 +4996,7 @@
         </p:nvSpPr>
         <p:spPr>
           <a:xfrm>
-            <a:off x="2057401" y="4239491"/>
+            <a:off x="1162550" y="3934691"/>
             <a:ext cx="1066800" cy="346760"/>
           </a:xfrm>
           <a:prstGeom prst="rect">
@@ -5026,6 +5036,14 @@
               </a:rPr>
               <a:t>&lt;&lt;interface&gt;&gt;</a:t>
             </a:r>
+            <a:r>
+              <a:rPr lang="en-US" sz="1050">
+                <a:solidFill>
+                  <a:srgbClr val="7030A0"/>
+                </a:solidFill>
+              </a:rPr>
+              <a:t/>
+            </a:r>
             <a:br>
               <a:rPr lang="en-US" sz="1050">
                 <a:solidFill>
@@ -5060,7 +5078,7 @@
         </p:nvCxnSpPr>
         <p:spPr>
           <a:xfrm rot="16200000" flipH="1">
-            <a:off x="1364475" y="3719944"/>
+            <a:off x="469624" y="3415144"/>
             <a:ext cx="831471" cy="554381"/>
           </a:xfrm>
           <a:prstGeom prst="bentConnector2">
@@ -5099,7 +5117,7 @@
         </p:nvSpPr>
         <p:spPr>
           <a:xfrm>
-            <a:off x="4429979" y="3111479"/>
+            <a:off x="3535128" y="2806679"/>
             <a:ext cx="189257" cy="178683"/>
           </a:xfrm>
           <a:prstGeom prst="rect">
@@ -5138,7 +5156,7 @@
         </p:nvSpPr>
         <p:spPr>
           <a:xfrm>
-            <a:off x="6135256" y="3097917"/>
+            <a:off x="5240405" y="2793117"/>
             <a:ext cx="189257" cy="178683"/>
           </a:xfrm>
           <a:prstGeom prst="rect">
@@ -5177,7 +5195,7 @@
         </p:nvSpPr>
         <p:spPr>
           <a:xfrm>
-            <a:off x="2573394" y="2756715"/>
+            <a:off x="1678543" y="2451915"/>
             <a:ext cx="170110" cy="137542"/>
           </a:xfrm>
           <a:prstGeom prst="rect">
@@ -5216,7 +5234,7 @@
         </p:nvSpPr>
         <p:spPr>
           <a:xfrm>
-            <a:off x="2707070" y="3667737"/>
+            <a:off x="1812219" y="3362937"/>
             <a:ext cx="189257" cy="178683"/>
           </a:xfrm>
           <a:prstGeom prst="rect">
@@ -5255,7 +5273,7 @@
         </p:nvSpPr>
         <p:spPr>
           <a:xfrm>
-            <a:off x="6449896" y="3204826"/>
+            <a:off x="5555045" y="2900026"/>
             <a:ext cx="189257" cy="178683"/>
           </a:xfrm>
           <a:prstGeom prst="rect">
@@ -5291,7 +5309,7 @@
           <p:cNvPr id="52" name="Rectangle 8">
             <a:extLst>
               <a:ext uri="{FF2B5EF4-FFF2-40B4-BE49-F238E27FC236}">
-                <a16:creationId xmlns:a16="http://schemas.microsoft.com/office/drawing/2014/main" id="{ABDCDBD2-131A-4B66-A2F2-43BBEE82C773}"/>
+                <a16:creationId xmlns:a16="http://schemas.microsoft.com/office/drawing/2014/main" xmlns="" id="{ABDCDBD2-131A-4B66-A2F2-43BBEE82C773}"/>
               </a:ext>
             </a:extLst>
           </p:cNvPr>
@@ -5300,7 +5318,7 @@
         </p:nvSpPr>
         <p:spPr>
           <a:xfrm>
-            <a:off x="7712396" y="2228817"/>
+            <a:off x="6817545" y="1924017"/>
             <a:ext cx="893949" cy="285783"/>
           </a:xfrm>
           <a:prstGeom prst="rect">
@@ -5353,7 +5371,7 @@
           <p:cNvPr id="53" name="Elbow Connector 78">
             <a:extLst>
               <a:ext uri="{FF2B5EF4-FFF2-40B4-BE49-F238E27FC236}">
-                <a16:creationId xmlns:a16="http://schemas.microsoft.com/office/drawing/2014/main" id="{B97967F8-618A-448B-81FD-CDFD4AF0EC64}"/>
+                <a16:creationId xmlns:a16="http://schemas.microsoft.com/office/drawing/2014/main" xmlns="" id="{B97967F8-618A-448B-81FD-CDFD4AF0EC64}"/>
               </a:ext>
             </a:extLst>
           </p:cNvPr>
@@ -5366,7 +5384,7 @@
         </p:nvCxnSpPr>
         <p:spPr>
           <a:xfrm flipV="1">
-            <a:off x="7277995" y="2371709"/>
+            <a:off x="6383144" y="2066909"/>
             <a:ext cx="434401" cy="663182"/>
           </a:xfrm>
           <a:prstGeom prst="bentConnector3">
@@ -5403,7 +5421,7 @@
           <p:cNvPr id="50" name="TextBox 49">
             <a:extLst>
               <a:ext uri="{FF2B5EF4-FFF2-40B4-BE49-F238E27FC236}">
-                <a16:creationId xmlns:a16="http://schemas.microsoft.com/office/drawing/2014/main" id="{B3FA9D57-880F-49C4-AD0B-A64E30D6F403}"/>
+                <a16:creationId xmlns:a16="http://schemas.microsoft.com/office/drawing/2014/main" xmlns="" id="{B3FA9D57-880F-49C4-AD0B-A64E30D6F403}"/>
               </a:ext>
             </a:extLst>
           </p:cNvPr>
@@ -5412,7 +5430,7 @@
         </p:nvSpPr>
         <p:spPr>
           <a:xfrm>
-            <a:off x="7466243" y="2255711"/>
+            <a:off x="6571392" y="1950911"/>
             <a:ext cx="189257" cy="178683"/>
           </a:xfrm>
           <a:prstGeom prst="rect">
@@ -5451,7 +5469,7 @@
         </p:nvSpPr>
         <p:spPr>
           <a:xfrm>
-            <a:off x="3170181" y="1998350"/>
+            <a:off x="2275330" y="1693550"/>
             <a:ext cx="1060683" cy="364396"/>
           </a:xfrm>
           <a:prstGeom prst="rect">
@@ -5510,7 +5528,7 @@
         </p:nvCxnSpPr>
         <p:spPr>
           <a:xfrm>
-            <a:off x="4324972" y="3007222"/>
+            <a:off x="3430121" y="2702422"/>
             <a:ext cx="367678" cy="12320"/>
           </a:xfrm>
           <a:prstGeom prst="straightConnector1">
@@ -5548,7 +5566,7 @@
         </p:nvSpPr>
         <p:spPr>
           <a:xfrm rot="16200000">
-            <a:off x="2669073" y="2069158"/>
+            <a:off x="1774222" y="1764358"/>
             <a:ext cx="271014" cy="187417"/>
           </a:xfrm>
           <a:prstGeom prst="triangle">
@@ -5603,7 +5621,7 @@
         </p:nvCxnSpPr>
         <p:spPr>
           <a:xfrm>
-            <a:off x="2898289" y="2177727"/>
+            <a:off x="2003438" y="1872927"/>
             <a:ext cx="271892" cy="2821"/>
           </a:xfrm>
           <a:prstGeom prst="bentConnector3">
@@ -5641,7 +5659,7 @@
           <p:cNvPr id="56" name="Rectangle 8">
             <a:extLst>
               <a:ext uri="{FF2B5EF4-FFF2-40B4-BE49-F238E27FC236}">
-                <a16:creationId xmlns:a16="http://schemas.microsoft.com/office/drawing/2014/main" id="{5D3CD1F5-C42A-49F4-A507-1CAF83F1EDE8}"/>
+                <a16:creationId xmlns:a16="http://schemas.microsoft.com/office/drawing/2014/main" xmlns="" id="{5D3CD1F5-C42A-49F4-A507-1CAF83F1EDE8}"/>
               </a:ext>
             </a:extLst>
           </p:cNvPr>
@@ -5650,7 +5668,7 @@
         </p:nvSpPr>
         <p:spPr>
           <a:xfrm>
-            <a:off x="7716652" y="3871836"/>
+            <a:off x="6821801" y="3567036"/>
             <a:ext cx="893949" cy="285783"/>
           </a:xfrm>
           <a:prstGeom prst="rect">
@@ -5703,7 +5721,7 @@
           <p:cNvPr id="57" name="Rectangle 8">
             <a:extLst>
               <a:ext uri="{FF2B5EF4-FFF2-40B4-BE49-F238E27FC236}">
-                <a16:creationId xmlns:a16="http://schemas.microsoft.com/office/drawing/2014/main" id="{1D68D65E-3CA3-41FD-B787-5D4459E1265A}"/>
+                <a16:creationId xmlns:a16="http://schemas.microsoft.com/office/drawing/2014/main" xmlns="" id="{1D68D65E-3CA3-41FD-B787-5D4459E1265A}"/>
               </a:ext>
             </a:extLst>
           </p:cNvPr>
@@ -5712,7 +5730,7 @@
         </p:nvSpPr>
         <p:spPr>
           <a:xfrm>
-            <a:off x="7712396" y="4207257"/>
+            <a:off x="6817545" y="3902457"/>
             <a:ext cx="893949" cy="285783"/>
           </a:xfrm>
           <a:prstGeom prst="rect">
@@ -5765,7 +5783,7 @@
           <p:cNvPr id="59" name="Rectangle 8">
             <a:extLst>
               <a:ext uri="{FF2B5EF4-FFF2-40B4-BE49-F238E27FC236}">
-                <a16:creationId xmlns:a16="http://schemas.microsoft.com/office/drawing/2014/main" id="{3E19803D-2A74-4410-BF6E-CCFF0A1FFA75}"/>
+                <a16:creationId xmlns:a16="http://schemas.microsoft.com/office/drawing/2014/main" xmlns="" id="{3E19803D-2A74-4410-BF6E-CCFF0A1FFA75}"/>
               </a:ext>
             </a:extLst>
           </p:cNvPr>
@@ -5774,7 +5792,7 @@
         </p:nvSpPr>
         <p:spPr>
           <a:xfrm>
-            <a:off x="7712396" y="1902080"/>
+            <a:off x="6817545" y="1597280"/>
             <a:ext cx="893949" cy="285783"/>
           </a:xfrm>
           <a:prstGeom prst="rect">
@@ -5827,7 +5845,7 @@
           <p:cNvPr id="71" name="Elbow Connector 78">
             <a:extLst>
               <a:ext uri="{FF2B5EF4-FFF2-40B4-BE49-F238E27FC236}">
-                <a16:creationId xmlns:a16="http://schemas.microsoft.com/office/drawing/2014/main" id="{6EA0EA1D-B248-42D1-AC98-63B9E6A4BF36}"/>
+                <a16:creationId xmlns:a16="http://schemas.microsoft.com/office/drawing/2014/main" xmlns="" id="{6EA0EA1D-B248-42D1-AC98-63B9E6A4BF36}"/>
               </a:ext>
             </a:extLst>
           </p:cNvPr>
@@ -5840,7 +5858,7 @@
         </p:nvCxnSpPr>
         <p:spPr>
           <a:xfrm flipV="1">
-            <a:off x="7277995" y="2044972"/>
+            <a:off x="6383144" y="1740172"/>
             <a:ext cx="434401" cy="989919"/>
           </a:xfrm>
           <a:prstGeom prst="bentConnector3">
@@ -5877,7 +5895,7 @@
           <p:cNvPr id="72" name="Elbow Connector 78">
             <a:extLst>
               <a:ext uri="{FF2B5EF4-FFF2-40B4-BE49-F238E27FC236}">
-                <a16:creationId xmlns:a16="http://schemas.microsoft.com/office/drawing/2014/main" id="{27906B74-66F0-465A-9245-F2704DCBA9B5}"/>
+                <a16:creationId xmlns:a16="http://schemas.microsoft.com/office/drawing/2014/main" xmlns="" id="{27906B74-66F0-465A-9245-F2704DCBA9B5}"/>
               </a:ext>
             </a:extLst>
           </p:cNvPr>
@@ -5890,7 +5908,7 @@
         </p:nvCxnSpPr>
         <p:spPr>
           <a:xfrm>
-            <a:off x="7277995" y="3034891"/>
+            <a:off x="6383144" y="2730091"/>
             <a:ext cx="438657" cy="979837"/>
           </a:xfrm>
           <a:prstGeom prst="bentConnector3">
@@ -5927,7 +5945,7 @@
           <p:cNvPr id="73" name="Elbow Connector 78">
             <a:extLst>
               <a:ext uri="{FF2B5EF4-FFF2-40B4-BE49-F238E27FC236}">
-                <a16:creationId xmlns:a16="http://schemas.microsoft.com/office/drawing/2014/main" id="{4EDEB23F-0729-4572-8C7B-FB6847CB8784}"/>
+                <a16:creationId xmlns:a16="http://schemas.microsoft.com/office/drawing/2014/main" xmlns="" id="{4EDEB23F-0729-4572-8C7B-FB6847CB8784}"/>
               </a:ext>
             </a:extLst>
           </p:cNvPr>
@@ -5940,7 +5958,7 @@
         </p:nvCxnSpPr>
         <p:spPr>
           <a:xfrm>
-            <a:off x="7277995" y="3034891"/>
+            <a:off x="6383144" y="2730091"/>
             <a:ext cx="434401" cy="1315258"/>
           </a:xfrm>
           <a:prstGeom prst="bentConnector3">
@@ -5977,7 +5995,7 @@
           <p:cNvPr id="74" name="Rectangle 8">
             <a:extLst>
               <a:ext uri="{FF2B5EF4-FFF2-40B4-BE49-F238E27FC236}">
-                <a16:creationId xmlns:a16="http://schemas.microsoft.com/office/drawing/2014/main" id="{3E28DE11-038B-4078-A00D-D599C814C997}"/>
+                <a16:creationId xmlns:a16="http://schemas.microsoft.com/office/drawing/2014/main" xmlns="" id="{3E28DE11-038B-4078-A00D-D599C814C997}"/>
               </a:ext>
             </a:extLst>
           </p:cNvPr>
@@ -5986,7 +6004,7 @@
         </p:nvSpPr>
         <p:spPr>
           <a:xfrm>
-            <a:off x="7712396" y="4542928"/>
+            <a:off x="6817545" y="4238128"/>
             <a:ext cx="893949" cy="285783"/>
           </a:xfrm>
           <a:prstGeom prst="rect">
@@ -6039,20 +6057,18 @@
           <p:cNvPr id="77" name="Elbow Connector 78">
             <a:extLst>
               <a:ext uri="{FF2B5EF4-FFF2-40B4-BE49-F238E27FC236}">
-                <a16:creationId xmlns:a16="http://schemas.microsoft.com/office/drawing/2014/main" id="{8A4DBA9A-CB1B-41B2-8EE8-FAE1722D3B12}"/>
+                <a16:creationId xmlns:a16="http://schemas.microsoft.com/office/drawing/2014/main" xmlns="" id="{8A4DBA9A-CB1B-41B2-8EE8-FAE1722D3B12}"/>
               </a:ext>
             </a:extLst>
           </p:cNvPr>
           <p:cNvCxnSpPr>
             <a:cxnSpLocks/>
-            <a:stCxn id="78" idx="3"/>
-            <a:endCxn id="74" idx="1"/>
           </p:cNvCxnSpPr>
           <p:nvPr/>
         </p:nvCxnSpPr>
         <p:spPr>
           <a:xfrm>
-            <a:off x="7277995" y="3034891"/>
+            <a:off x="6380316" y="2730091"/>
             <a:ext cx="434401" cy="1650929"/>
           </a:xfrm>
           <a:prstGeom prst="bentConnector3">
@@ -6081,6 +6097,774 @@
           </a:effectRef>
           <a:fontRef idx="minor">
             <a:schemeClr val="dk1"/>
+          </a:fontRef>
+        </p:style>
+      </p:cxnSp>
+      <p:sp>
+        <p:nvSpPr>
+          <p:cNvPr id="67" name="Rectangle 8">
+            <a:extLst>
+              <a:ext uri="{FF2B5EF4-FFF2-40B4-BE49-F238E27FC236}">
+                <a16:creationId xmlns:a16="http://schemas.microsoft.com/office/drawing/2014/main" xmlns="" id="{3E28DE11-038B-4078-A00D-D599C814C997}"/>
+              </a:ext>
+            </a:extLst>
+          </p:cNvPr>
+          <p:cNvSpPr/>
+          <p:nvPr/>
+        </p:nvSpPr>
+        <p:spPr>
+          <a:xfrm>
+            <a:off x="6821801" y="4573799"/>
+            <a:ext cx="893949" cy="285783"/>
+          </a:xfrm>
+          <a:prstGeom prst="rect">
+            <a:avLst/>
+          </a:prstGeom>
+          <a:ln w="19050">
+            <a:solidFill>
+              <a:srgbClr val="7030A0"/>
+            </a:solidFill>
+          </a:ln>
+          <a:effectLst/>
+        </p:spPr>
+        <p:style>
+          <a:lnRef idx="1">
+            <a:schemeClr val="accent4"/>
+          </a:lnRef>
+          <a:fillRef idx="2">
+            <a:schemeClr val="accent4"/>
+          </a:fillRef>
+          <a:effectRef idx="1">
+            <a:schemeClr val="accent4"/>
+          </a:effectRef>
+          <a:fontRef idx="minor">
+            <a:schemeClr val="dk1"/>
+          </a:fontRef>
+        </p:style>
+        <p:txBody>
+          <a:bodyPr rtlCol="0" anchor="ctr"/>
+          <a:lstStyle/>
+          <a:p>
+            <a:pPr algn="ctr"/>
+            <a:r>
+              <a:rPr lang="en-US" sz="1050" dirty="0" smtClean="0">
+                <a:solidFill>
+                  <a:srgbClr val="7030A0"/>
+                </a:solidFill>
+              </a:rPr>
+              <a:t>Working Rate</a:t>
+            </a:r>
+            <a:endParaRPr lang="en-SG" sz="1050" dirty="0">
+              <a:solidFill>
+                <a:srgbClr val="7030A0"/>
+              </a:solidFill>
+            </a:endParaRPr>
+          </a:p>
+        </p:txBody>
+      </p:sp>
+      <p:sp>
+        <p:nvSpPr>
+          <p:cNvPr id="82" name="Rectangle 8">
+            <a:extLst>
+              <a:ext uri="{FF2B5EF4-FFF2-40B4-BE49-F238E27FC236}">
+                <a16:creationId xmlns:a16="http://schemas.microsoft.com/office/drawing/2014/main" xmlns="" id="{3E28DE11-038B-4078-A00D-D599C814C997}"/>
+              </a:ext>
+            </a:extLst>
+          </p:cNvPr>
+          <p:cNvSpPr/>
+          <p:nvPr/>
+        </p:nvSpPr>
+        <p:spPr>
+          <a:xfrm>
+            <a:off x="6821800" y="4912344"/>
+            <a:ext cx="893949" cy="285783"/>
+          </a:xfrm>
+          <a:prstGeom prst="rect">
+            <a:avLst/>
+          </a:prstGeom>
+          <a:ln w="19050">
+            <a:solidFill>
+              <a:srgbClr val="7030A0"/>
+            </a:solidFill>
+          </a:ln>
+          <a:effectLst/>
+        </p:spPr>
+        <p:style>
+          <a:lnRef idx="1">
+            <a:schemeClr val="accent4"/>
+          </a:lnRef>
+          <a:fillRef idx="2">
+            <a:schemeClr val="accent4"/>
+          </a:fillRef>
+          <a:effectRef idx="1">
+            <a:schemeClr val="accent4"/>
+          </a:effectRef>
+          <a:fontRef idx="minor">
+            <a:schemeClr val="dk1"/>
+          </a:fontRef>
+        </p:style>
+        <p:txBody>
+          <a:bodyPr rtlCol="0" anchor="ctr"/>
+          <a:lstStyle/>
+          <a:p>
+            <a:pPr algn="ctr"/>
+            <a:r>
+              <a:rPr lang="en-US" sz="1050" dirty="0" smtClean="0">
+                <a:solidFill>
+                  <a:srgbClr val="7030A0"/>
+                </a:solidFill>
+              </a:rPr>
+              <a:t>Checked In Time</a:t>
+            </a:r>
+            <a:endParaRPr lang="en-SG" sz="1050" dirty="0">
+              <a:solidFill>
+                <a:srgbClr val="7030A0"/>
+              </a:solidFill>
+            </a:endParaRPr>
+          </a:p>
+        </p:txBody>
+      </p:sp>
+      <p:sp>
+        <p:nvSpPr>
+          <p:cNvPr id="87" name="Rectangle 8">
+            <a:extLst>
+              <a:ext uri="{FF2B5EF4-FFF2-40B4-BE49-F238E27FC236}">
+                <a16:creationId xmlns:a16="http://schemas.microsoft.com/office/drawing/2014/main" xmlns="" id="{3E28DE11-038B-4078-A00D-D599C814C997}"/>
+              </a:ext>
+            </a:extLst>
+          </p:cNvPr>
+          <p:cNvSpPr/>
+          <p:nvPr/>
+        </p:nvSpPr>
+        <p:spPr>
+          <a:xfrm>
+            <a:off x="6829957" y="5251009"/>
+            <a:ext cx="893949" cy="285783"/>
+          </a:xfrm>
+          <a:prstGeom prst="rect">
+            <a:avLst/>
+          </a:prstGeom>
+          <a:ln w="19050">
+            <a:solidFill>
+              <a:srgbClr val="7030A0"/>
+            </a:solidFill>
+          </a:ln>
+          <a:effectLst/>
+        </p:spPr>
+        <p:style>
+          <a:lnRef idx="1">
+            <a:schemeClr val="accent4"/>
+          </a:lnRef>
+          <a:fillRef idx="2">
+            <a:schemeClr val="accent4"/>
+          </a:fillRef>
+          <a:effectRef idx="1">
+            <a:schemeClr val="accent4"/>
+          </a:effectRef>
+          <a:fontRef idx="minor">
+            <a:schemeClr val="dk1"/>
+          </a:fontRef>
+        </p:style>
+        <p:txBody>
+          <a:bodyPr rtlCol="0" anchor="ctr"/>
+          <a:lstStyle/>
+          <a:p>
+            <a:pPr algn="ctr"/>
+            <a:r>
+              <a:rPr lang="en-US" sz="1050" dirty="0" smtClean="0">
+                <a:solidFill>
+                  <a:srgbClr val="7030A0"/>
+                </a:solidFill>
+              </a:rPr>
+              <a:t>Mode</a:t>
+            </a:r>
+            <a:endParaRPr lang="en-SG" sz="1050" dirty="0">
+              <a:solidFill>
+                <a:srgbClr val="7030A0"/>
+              </a:solidFill>
+            </a:endParaRPr>
+          </a:p>
+        </p:txBody>
+      </p:sp>
+      <p:sp>
+        <p:nvSpPr>
+          <p:cNvPr id="88" name="Rectangle 8">
+            <a:extLst>
+              <a:ext uri="{FF2B5EF4-FFF2-40B4-BE49-F238E27FC236}">
+                <a16:creationId xmlns:a16="http://schemas.microsoft.com/office/drawing/2014/main" xmlns="" id="{3E28DE11-038B-4078-A00D-D599C814C997}"/>
+              </a:ext>
+            </a:extLst>
+          </p:cNvPr>
+          <p:cNvSpPr/>
+          <p:nvPr/>
+        </p:nvSpPr>
+        <p:spPr>
+          <a:xfrm>
+            <a:off x="6821800" y="5586430"/>
+            <a:ext cx="893949" cy="285783"/>
+          </a:xfrm>
+          <a:prstGeom prst="rect">
+            <a:avLst/>
+          </a:prstGeom>
+          <a:ln w="19050">
+            <a:solidFill>
+              <a:srgbClr val="7030A0"/>
+            </a:solidFill>
+          </a:ln>
+          <a:effectLst/>
+        </p:spPr>
+        <p:style>
+          <a:lnRef idx="1">
+            <a:schemeClr val="accent4"/>
+          </a:lnRef>
+          <a:fillRef idx="2">
+            <a:schemeClr val="accent4"/>
+          </a:fillRef>
+          <a:effectRef idx="1">
+            <a:schemeClr val="accent4"/>
+          </a:effectRef>
+          <a:fontRef idx="minor">
+            <a:schemeClr val="dk1"/>
+          </a:fontRef>
+        </p:style>
+        <p:txBody>
+          <a:bodyPr rtlCol="0" anchor="ctr"/>
+          <a:lstStyle/>
+          <a:p>
+            <a:pPr algn="ctr"/>
+            <a:r>
+              <a:rPr lang="en-US" sz="1050" dirty="0" smtClean="0">
+                <a:solidFill>
+                  <a:srgbClr val="7030A0"/>
+                </a:solidFill>
+              </a:rPr>
+              <a:t>Schedule</a:t>
+            </a:r>
+            <a:endParaRPr lang="en-SG" sz="1050" dirty="0">
+              <a:solidFill>
+                <a:srgbClr val="7030A0"/>
+              </a:solidFill>
+            </a:endParaRPr>
+          </a:p>
+        </p:txBody>
+      </p:sp>
+      <p:cxnSp>
+        <p:nvCxnSpPr>
+          <p:cNvPr id="89" name="Elbow Connector 78">
+            <a:extLst>
+              <a:ext uri="{FF2B5EF4-FFF2-40B4-BE49-F238E27FC236}">
+                <a16:creationId xmlns:a16="http://schemas.microsoft.com/office/drawing/2014/main" xmlns="" id="{8A4DBA9A-CB1B-41B2-8EE8-FAE1722D3B12}"/>
+              </a:ext>
+            </a:extLst>
+          </p:cNvPr>
+          <p:cNvCxnSpPr>
+            <a:cxnSpLocks/>
+            <a:endCxn id="67" idx="1"/>
+          </p:cNvCxnSpPr>
+          <p:nvPr/>
+        </p:nvCxnSpPr>
+        <p:spPr>
+          <a:xfrm rot="16200000" flipH="1">
+            <a:off x="5716360" y="3611250"/>
+            <a:ext cx="1986598" cy="224283"/>
+          </a:xfrm>
+          <a:prstGeom prst="bentConnector2">
+            <a:avLst/>
+          </a:prstGeom>
+          <a:ln w="19050">
+            <a:solidFill>
+              <a:srgbClr val="7030A0"/>
+            </a:solidFill>
+            <a:headEnd type="none" w="med" len="med"/>
+            <a:tailEnd type="arrow" w="med" len="med"/>
+          </a:ln>
+          <a:effectLst/>
+        </p:spPr>
+        <p:style>
+          <a:lnRef idx="1">
+            <a:schemeClr val="accent2"/>
+          </a:lnRef>
+          <a:fillRef idx="2">
+            <a:schemeClr val="accent2"/>
+          </a:fillRef>
+          <a:effectRef idx="1">
+            <a:schemeClr val="accent2"/>
+          </a:effectRef>
+          <a:fontRef idx="minor">
+            <a:schemeClr val="dk1"/>
+          </a:fontRef>
+        </p:style>
+      </p:cxnSp>
+      <p:cxnSp>
+        <p:nvCxnSpPr>
+          <p:cNvPr id="90" name="Elbow Connector 78">
+            <a:extLst>
+              <a:ext uri="{FF2B5EF4-FFF2-40B4-BE49-F238E27FC236}">
+                <a16:creationId xmlns:a16="http://schemas.microsoft.com/office/drawing/2014/main" xmlns="" id="{8A4DBA9A-CB1B-41B2-8EE8-FAE1722D3B12}"/>
+              </a:ext>
+            </a:extLst>
+          </p:cNvPr>
+          <p:cNvCxnSpPr>
+            <a:cxnSpLocks/>
+            <a:endCxn id="82" idx="1"/>
+          </p:cNvCxnSpPr>
+          <p:nvPr/>
+        </p:nvCxnSpPr>
+        <p:spPr>
+          <a:xfrm rot="16200000" flipH="1">
+            <a:off x="5623162" y="3856597"/>
+            <a:ext cx="2172993" cy="224283"/>
+          </a:xfrm>
+          <a:prstGeom prst="bentConnector2">
+            <a:avLst/>
+          </a:prstGeom>
+          <a:ln w="19050">
+            <a:solidFill>
+              <a:srgbClr val="7030A0"/>
+            </a:solidFill>
+            <a:headEnd type="none" w="med" len="med"/>
+            <a:tailEnd type="arrow" w="med" len="med"/>
+          </a:ln>
+          <a:effectLst/>
+        </p:spPr>
+        <p:style>
+          <a:lnRef idx="1">
+            <a:schemeClr val="accent2"/>
+          </a:lnRef>
+          <a:fillRef idx="2">
+            <a:schemeClr val="accent2"/>
+          </a:fillRef>
+          <a:effectRef idx="1">
+            <a:schemeClr val="accent2"/>
+          </a:effectRef>
+          <a:fontRef idx="minor">
+            <a:schemeClr val="dk1"/>
+          </a:fontRef>
+        </p:style>
+      </p:cxnSp>
+      <p:cxnSp>
+        <p:nvCxnSpPr>
+          <p:cNvPr id="91" name="Elbow Connector 78">
+            <a:extLst>
+              <a:ext uri="{FF2B5EF4-FFF2-40B4-BE49-F238E27FC236}">
+                <a16:creationId xmlns:a16="http://schemas.microsoft.com/office/drawing/2014/main" xmlns="" id="{8A4DBA9A-CB1B-41B2-8EE8-FAE1722D3B12}"/>
+              </a:ext>
+            </a:extLst>
+          </p:cNvPr>
+          <p:cNvCxnSpPr>
+            <a:cxnSpLocks/>
+          </p:cNvCxnSpPr>
+          <p:nvPr/>
+        </p:nvCxnSpPr>
+        <p:spPr>
+          <a:xfrm rot="16200000" flipH="1">
+            <a:off x="5716360" y="4304867"/>
+            <a:ext cx="1986598" cy="224283"/>
+          </a:xfrm>
+          <a:prstGeom prst="bentConnector2">
+            <a:avLst/>
+          </a:prstGeom>
+          <a:ln w="19050">
+            <a:solidFill>
+              <a:srgbClr val="7030A0"/>
+            </a:solidFill>
+            <a:headEnd type="none" w="med" len="med"/>
+            <a:tailEnd type="arrow" w="med" len="med"/>
+          </a:ln>
+          <a:effectLst/>
+        </p:spPr>
+        <p:style>
+          <a:lnRef idx="1">
+            <a:schemeClr val="accent2"/>
+          </a:lnRef>
+          <a:fillRef idx="2">
+            <a:schemeClr val="accent2"/>
+          </a:fillRef>
+          <a:effectRef idx="1">
+            <a:schemeClr val="accent2"/>
+          </a:effectRef>
+          <a:fontRef idx="minor">
+            <a:schemeClr val="dk1"/>
+          </a:fontRef>
+        </p:style>
+      </p:cxnSp>
+      <p:cxnSp>
+        <p:nvCxnSpPr>
+          <p:cNvPr id="92" name="Elbow Connector 78">
+            <a:extLst>
+              <a:ext uri="{FF2B5EF4-FFF2-40B4-BE49-F238E27FC236}">
+                <a16:creationId xmlns:a16="http://schemas.microsoft.com/office/drawing/2014/main" xmlns="" id="{8A4DBA9A-CB1B-41B2-8EE8-FAE1722D3B12}"/>
+              </a:ext>
+            </a:extLst>
+          </p:cNvPr>
+          <p:cNvCxnSpPr>
+            <a:cxnSpLocks/>
+          </p:cNvCxnSpPr>
+          <p:nvPr/>
+        </p:nvCxnSpPr>
+        <p:spPr>
+          <a:xfrm rot="16200000" flipH="1">
+            <a:off x="5715646" y="4652404"/>
+            <a:ext cx="1986598" cy="224283"/>
+          </a:xfrm>
+          <a:prstGeom prst="bentConnector2">
+            <a:avLst/>
+          </a:prstGeom>
+          <a:ln w="19050">
+            <a:solidFill>
+              <a:srgbClr val="7030A0"/>
+            </a:solidFill>
+            <a:headEnd type="none" w="med" len="med"/>
+            <a:tailEnd type="arrow" w="med" len="med"/>
+          </a:ln>
+          <a:effectLst/>
+        </p:spPr>
+        <p:style>
+          <a:lnRef idx="1">
+            <a:schemeClr val="accent2"/>
+          </a:lnRef>
+          <a:fillRef idx="2">
+            <a:schemeClr val="accent2"/>
+          </a:fillRef>
+          <a:effectRef idx="1">
+            <a:schemeClr val="accent2"/>
+          </a:effectRef>
+          <a:fontRef idx="minor">
+            <a:schemeClr val="dk1"/>
+          </a:fontRef>
+        </p:style>
+      </p:cxnSp>
+      <p:sp>
+        <p:nvSpPr>
+          <p:cNvPr id="93" name="Rectangle 8">
+            <a:extLst>
+              <a:ext uri="{FF2B5EF4-FFF2-40B4-BE49-F238E27FC236}">
+                <a16:creationId xmlns:a16="http://schemas.microsoft.com/office/drawing/2014/main" xmlns="" id="{3E28DE11-038B-4078-A00D-D599C814C997}"/>
+              </a:ext>
+            </a:extLst>
+          </p:cNvPr>
+          <p:cNvSpPr/>
+          <p:nvPr/>
+        </p:nvSpPr>
+        <p:spPr>
+          <a:xfrm>
+            <a:off x="8005455" y="5586430"/>
+            <a:ext cx="893949" cy="285783"/>
+          </a:xfrm>
+          <a:prstGeom prst="rect">
+            <a:avLst/>
+          </a:prstGeom>
+          <a:ln w="19050">
+            <a:solidFill>
+              <a:srgbClr val="7030A0"/>
+            </a:solidFill>
+          </a:ln>
+          <a:effectLst/>
+        </p:spPr>
+        <p:style>
+          <a:lnRef idx="1">
+            <a:schemeClr val="accent4"/>
+          </a:lnRef>
+          <a:fillRef idx="2">
+            <a:schemeClr val="accent4"/>
+          </a:fillRef>
+          <a:effectRef idx="1">
+            <a:schemeClr val="accent4"/>
+          </a:effectRef>
+          <a:fontRef idx="minor">
+            <a:schemeClr val="dk1"/>
+          </a:fontRef>
+        </p:style>
+        <p:txBody>
+          <a:bodyPr rtlCol="0" anchor="ctr"/>
+          <a:lstStyle/>
+          <a:p>
+            <a:pPr algn="ctr"/>
+            <a:r>
+              <a:rPr lang="en-US" sz="1050" dirty="0" smtClean="0">
+                <a:solidFill>
+                  <a:srgbClr val="7030A0"/>
+                </a:solidFill>
+              </a:rPr>
+              <a:t>Venue</a:t>
+            </a:r>
+            <a:endParaRPr lang="en-SG" sz="1050" dirty="0">
+              <a:solidFill>
+                <a:srgbClr val="7030A0"/>
+              </a:solidFill>
+            </a:endParaRPr>
+          </a:p>
+        </p:txBody>
+      </p:sp>
+      <p:sp>
+        <p:nvSpPr>
+          <p:cNvPr id="94" name="Rectangle 8">
+            <a:extLst>
+              <a:ext uri="{FF2B5EF4-FFF2-40B4-BE49-F238E27FC236}">
+                <a16:creationId xmlns:a16="http://schemas.microsoft.com/office/drawing/2014/main" xmlns="" id="{3E28DE11-038B-4078-A00D-D599C814C997}"/>
+              </a:ext>
+            </a:extLst>
+          </p:cNvPr>
+          <p:cNvSpPr/>
+          <p:nvPr/>
+        </p:nvSpPr>
+        <p:spPr>
+          <a:xfrm>
+            <a:off x="8022919" y="5928781"/>
+            <a:ext cx="893949" cy="285783"/>
+          </a:xfrm>
+          <a:prstGeom prst="rect">
+            <a:avLst/>
+          </a:prstGeom>
+          <a:ln w="19050">
+            <a:solidFill>
+              <a:srgbClr val="7030A0"/>
+            </a:solidFill>
+          </a:ln>
+          <a:effectLst/>
+        </p:spPr>
+        <p:style>
+          <a:lnRef idx="1">
+            <a:schemeClr val="accent4"/>
+          </a:lnRef>
+          <a:fillRef idx="2">
+            <a:schemeClr val="accent4"/>
+          </a:fillRef>
+          <a:effectRef idx="1">
+            <a:schemeClr val="accent4"/>
+          </a:effectRef>
+          <a:fontRef idx="minor">
+            <a:schemeClr val="dk1"/>
+          </a:fontRef>
+        </p:style>
+        <p:txBody>
+          <a:bodyPr rtlCol="0" anchor="ctr"/>
+          <a:lstStyle/>
+          <a:p>
+            <a:pPr algn="ctr"/>
+            <a:r>
+              <a:rPr lang="en-US" sz="1050" dirty="0" smtClean="0">
+                <a:solidFill>
+                  <a:srgbClr val="7030A0"/>
+                </a:solidFill>
+              </a:rPr>
+              <a:t>Start Time</a:t>
+            </a:r>
+            <a:endParaRPr lang="en-SG" sz="1050" dirty="0">
+              <a:solidFill>
+                <a:srgbClr val="7030A0"/>
+              </a:solidFill>
+            </a:endParaRPr>
+          </a:p>
+        </p:txBody>
+      </p:sp>
+      <p:sp>
+        <p:nvSpPr>
+          <p:cNvPr id="95" name="Rectangle 8">
+            <a:extLst>
+              <a:ext uri="{FF2B5EF4-FFF2-40B4-BE49-F238E27FC236}">
+                <a16:creationId xmlns:a16="http://schemas.microsoft.com/office/drawing/2014/main" xmlns="" id="{3E28DE11-038B-4078-A00D-D599C814C997}"/>
+              </a:ext>
+            </a:extLst>
+          </p:cNvPr>
+          <p:cNvSpPr/>
+          <p:nvPr/>
+        </p:nvSpPr>
+        <p:spPr>
+          <a:xfrm>
+            <a:off x="8007699" y="6283512"/>
+            <a:ext cx="893949" cy="285783"/>
+          </a:xfrm>
+          <a:prstGeom prst="rect">
+            <a:avLst/>
+          </a:prstGeom>
+          <a:ln w="19050">
+            <a:solidFill>
+              <a:srgbClr val="7030A0"/>
+            </a:solidFill>
+          </a:ln>
+          <a:effectLst/>
+        </p:spPr>
+        <p:style>
+          <a:lnRef idx="1">
+            <a:schemeClr val="accent4"/>
+          </a:lnRef>
+          <a:fillRef idx="2">
+            <a:schemeClr val="accent4"/>
+          </a:fillRef>
+          <a:effectRef idx="1">
+            <a:schemeClr val="accent4"/>
+          </a:effectRef>
+          <a:fontRef idx="minor">
+            <a:schemeClr val="dk1"/>
+          </a:fontRef>
+        </p:style>
+        <p:txBody>
+          <a:bodyPr rtlCol="0" anchor="ctr"/>
+          <a:lstStyle/>
+          <a:p>
+            <a:pPr algn="ctr"/>
+            <a:r>
+              <a:rPr lang="en-US" sz="1050" dirty="0" smtClean="0">
+                <a:solidFill>
+                  <a:srgbClr val="7030A0"/>
+                </a:solidFill>
+              </a:rPr>
+              <a:t>End Time</a:t>
+            </a:r>
+            <a:endParaRPr lang="en-SG" sz="1050" dirty="0">
+              <a:solidFill>
+                <a:srgbClr val="7030A0"/>
+              </a:solidFill>
+            </a:endParaRPr>
+          </a:p>
+        </p:txBody>
+      </p:sp>
+      <p:cxnSp>
+        <p:nvCxnSpPr>
+          <p:cNvPr id="96" name="Straight Arrow Connector 95"/>
+          <p:cNvCxnSpPr>
+            <a:stCxn id="88" idx="3"/>
+            <a:endCxn id="93" idx="1"/>
+          </p:cNvCxnSpPr>
+          <p:nvPr/>
+        </p:nvCxnSpPr>
+        <p:spPr>
+          <a:xfrm>
+            <a:off x="7715749" y="5729322"/>
+            <a:ext cx="289706" cy="0"/>
+          </a:xfrm>
+          <a:prstGeom prst="straightConnector1">
+            <a:avLst/>
+          </a:prstGeom>
+          <a:ln w="19050">
+            <a:solidFill>
+              <a:srgbClr val="7030A0"/>
+            </a:solidFill>
+            <a:headEnd type="none" w="med" len="med"/>
+            <a:tailEnd type="arrow" w="med" len="med"/>
+          </a:ln>
+          <a:effectLst/>
+        </p:spPr>
+        <p:style>
+          <a:lnRef idx="1">
+            <a:schemeClr val="accent2"/>
+          </a:lnRef>
+          <a:fillRef idx="2">
+            <a:schemeClr val="accent2"/>
+          </a:fillRef>
+          <a:effectRef idx="1">
+            <a:schemeClr val="accent2"/>
+          </a:effectRef>
+          <a:fontRef idx="minor">
+            <a:schemeClr val="dk1"/>
+          </a:fontRef>
+        </p:style>
+      </p:cxnSp>
+      <p:cxnSp>
+        <p:nvCxnSpPr>
+          <p:cNvPr id="108" name="Straight Arrow Connector 107"/>
+          <p:cNvCxnSpPr/>
+          <p:nvPr/>
+        </p:nvCxnSpPr>
+        <p:spPr>
+          <a:xfrm>
+            <a:off x="7798637" y="6071672"/>
+            <a:ext cx="224282" cy="0"/>
+          </a:xfrm>
+          <a:prstGeom prst="straightConnector1">
+            <a:avLst/>
+          </a:prstGeom>
+          <a:ln w="19050">
+            <a:solidFill>
+              <a:srgbClr val="7030A0"/>
+            </a:solidFill>
+            <a:headEnd type="none" w="med" len="med"/>
+            <a:tailEnd type="arrow" w="med" len="med"/>
+          </a:ln>
+          <a:effectLst/>
+        </p:spPr>
+        <p:style>
+          <a:lnRef idx="1">
+            <a:schemeClr val="accent2"/>
+          </a:lnRef>
+          <a:fillRef idx="2">
+            <a:schemeClr val="accent2"/>
+          </a:fillRef>
+          <a:effectRef idx="1">
+            <a:schemeClr val="accent2"/>
+          </a:effectRef>
+          <a:fontRef idx="minor">
+            <a:schemeClr val="dk1"/>
+          </a:fontRef>
+        </p:style>
+      </p:cxnSp>
+      <p:cxnSp>
+        <p:nvCxnSpPr>
+          <p:cNvPr id="109" name="Straight Arrow Connector 108"/>
+          <p:cNvCxnSpPr/>
+          <p:nvPr/>
+        </p:nvCxnSpPr>
+        <p:spPr>
+          <a:xfrm>
+            <a:off x="7781173" y="6426403"/>
+            <a:ext cx="224282" cy="0"/>
+          </a:xfrm>
+          <a:prstGeom prst="straightConnector1">
+            <a:avLst/>
+          </a:prstGeom>
+          <a:ln w="19050">
+            <a:solidFill>
+              <a:srgbClr val="7030A0"/>
+            </a:solidFill>
+            <a:headEnd type="none" w="med" len="med"/>
+            <a:tailEnd type="arrow" w="med" len="med"/>
+          </a:ln>
+          <a:effectLst/>
+        </p:spPr>
+        <p:style>
+          <a:lnRef idx="1">
+            <a:schemeClr val="accent2"/>
+          </a:lnRef>
+          <a:fillRef idx="2">
+            <a:schemeClr val="accent2"/>
+          </a:fillRef>
+          <a:effectRef idx="1">
+            <a:schemeClr val="accent2"/>
+          </a:effectRef>
+          <a:fontRef idx="minor">
+            <a:schemeClr val="dk1"/>
+          </a:fontRef>
+        </p:style>
+      </p:cxnSp>
+      <p:cxnSp>
+        <p:nvCxnSpPr>
+          <p:cNvPr id="101" name="Straight Connector 100"/>
+          <p:cNvCxnSpPr/>
+          <p:nvPr/>
+        </p:nvCxnSpPr>
+        <p:spPr>
+          <a:xfrm>
+            <a:off x="7781173" y="5729321"/>
+            <a:ext cx="0" cy="697082"/>
+          </a:xfrm>
+          <a:prstGeom prst="line">
+            <a:avLst/>
+          </a:prstGeom>
+          <a:effectLst/>
+        </p:spPr>
+        <p:style>
+          <a:lnRef idx="2">
+            <a:schemeClr val="accent4"/>
+          </a:lnRef>
+          <a:fillRef idx="0">
+            <a:schemeClr val="accent4"/>
+          </a:fillRef>
+          <a:effectRef idx="1">
+            <a:schemeClr val="accent4"/>
+          </a:effectRef>
+          <a:fontRef idx="minor">
+            <a:schemeClr val="tx1"/>
           </a:fontRef>
         </p:style>
       </p:cxnSp>
@@ -6094,6 +6878,13 @@
   <p:clrMapOvr>
     <a:masterClrMapping/>
   </p:clrMapOvr>
+  <p:timing>
+    <p:tnLst>
+      <p:par>
+        <p:cTn id="1" dur="indefinite" restart="never" nodeType="tmRoot"/>
+      </p:par>
+    </p:tnLst>
+  </p:timing>
 </p:sld>
 </file>
 

--- a/docs/diagrams/ModelComponentClassDiagram.pptx
+++ b/docs/diagrams/ModelComponentClassDiagram.pptx
@@ -208,7 +208,7 @@
           <a:p>
             <a:fld id="{F5CC4B3F-88C1-4FFA-B1B6-F41C21DC6924}" type="datetimeFigureOut">
               <a:rPr lang="en-US" smtClean="0"/>
-              <a:t>11/9/2018</a:t>
+              <a:t>11/11/2018</a:t>
             </a:fld>
             <a:endParaRPr lang="en-US"/>
           </a:p>
@@ -654,7 +654,7 @@
           <a:p>
             <a:fld id="{78C97017-6FC3-485B-9764-EAC9E56C1D49}" type="datetimeFigureOut">
               <a:rPr lang="en-US" smtClean="0"/>
-              <a:t>11/9/2018</a:t>
+              <a:t>11/11/2018</a:t>
             </a:fld>
             <a:endParaRPr lang="en-US"/>
           </a:p>
@@ -822,7 +822,7 @@
           <a:p>
             <a:fld id="{78C97017-6FC3-485B-9764-EAC9E56C1D49}" type="datetimeFigureOut">
               <a:rPr lang="en-US" smtClean="0"/>
-              <a:t>11/9/2018</a:t>
+              <a:t>11/11/2018</a:t>
             </a:fld>
             <a:endParaRPr lang="en-US"/>
           </a:p>
@@ -1000,7 +1000,7 @@
           <a:p>
             <a:fld id="{78C97017-6FC3-485B-9764-EAC9E56C1D49}" type="datetimeFigureOut">
               <a:rPr lang="en-US" smtClean="0"/>
-              <a:t>11/9/2018</a:t>
+              <a:t>11/11/2018</a:t>
             </a:fld>
             <a:endParaRPr lang="en-US"/>
           </a:p>
@@ -1168,7 +1168,7 @@
           <a:p>
             <a:fld id="{78C97017-6FC3-485B-9764-EAC9E56C1D49}" type="datetimeFigureOut">
               <a:rPr lang="en-US" smtClean="0"/>
-              <a:t>11/9/2018</a:t>
+              <a:t>11/11/2018</a:t>
             </a:fld>
             <a:endParaRPr lang="en-US"/>
           </a:p>
@@ -1413,7 +1413,7 @@
           <a:p>
             <a:fld id="{78C97017-6FC3-485B-9764-EAC9E56C1D49}" type="datetimeFigureOut">
               <a:rPr lang="en-US" smtClean="0"/>
-              <a:t>11/9/2018</a:t>
+              <a:t>11/11/2018</a:t>
             </a:fld>
             <a:endParaRPr lang="en-US"/>
           </a:p>
@@ -1698,7 +1698,7 @@
           <a:p>
             <a:fld id="{78C97017-6FC3-485B-9764-EAC9E56C1D49}" type="datetimeFigureOut">
               <a:rPr lang="en-US" smtClean="0"/>
-              <a:t>11/9/2018</a:t>
+              <a:t>11/11/2018</a:t>
             </a:fld>
             <a:endParaRPr lang="en-US"/>
           </a:p>
@@ -2117,7 +2117,7 @@
           <a:p>
             <a:fld id="{78C97017-6FC3-485B-9764-EAC9E56C1D49}" type="datetimeFigureOut">
               <a:rPr lang="en-US" smtClean="0"/>
-              <a:t>11/9/2018</a:t>
+              <a:t>11/11/2018</a:t>
             </a:fld>
             <a:endParaRPr lang="en-US"/>
           </a:p>
@@ -2234,7 +2234,7 @@
           <a:p>
             <a:fld id="{78C97017-6FC3-485B-9764-EAC9E56C1D49}" type="datetimeFigureOut">
               <a:rPr lang="en-US" smtClean="0"/>
-              <a:t>11/9/2018</a:t>
+              <a:t>11/11/2018</a:t>
             </a:fld>
             <a:endParaRPr lang="en-US"/>
           </a:p>
@@ -2329,7 +2329,7 @@
           <a:p>
             <a:fld id="{78C97017-6FC3-485B-9764-EAC9E56C1D49}" type="datetimeFigureOut">
               <a:rPr lang="en-US" smtClean="0"/>
-              <a:t>11/9/2018</a:t>
+              <a:t>11/11/2018</a:t>
             </a:fld>
             <a:endParaRPr lang="en-US"/>
           </a:p>
@@ -2604,7 +2604,7 @@
           <a:p>
             <a:fld id="{78C97017-6FC3-485B-9764-EAC9E56C1D49}" type="datetimeFigureOut">
               <a:rPr lang="en-US" smtClean="0"/>
-              <a:t>11/9/2018</a:t>
+              <a:t>11/11/2018</a:t>
             </a:fld>
             <a:endParaRPr lang="en-US"/>
           </a:p>
@@ -2856,7 +2856,7 @@
           <a:p>
             <a:fld id="{78C97017-6FC3-485B-9764-EAC9E56C1D49}" type="datetimeFigureOut">
               <a:rPr lang="en-US" smtClean="0"/>
-              <a:t>11/9/2018</a:t>
+              <a:t>11/11/2018</a:t>
             </a:fld>
             <a:endParaRPr lang="en-US"/>
           </a:p>
@@ -3067,7 +3067,7 @@
           <a:p>
             <a:fld id="{78C97017-6FC3-485B-9764-EAC9E56C1D49}" type="datetimeFigureOut">
               <a:rPr lang="en-US" smtClean="0"/>
-              <a:t>11/9/2018</a:t>
+              <a:t>11/11/2018</a:t>
             </a:fld>
             <a:endParaRPr lang="en-US"/>
           </a:p>
@@ -3521,7 +3521,7 @@
         </p:nvSpPr>
         <p:spPr>
           <a:xfrm>
-            <a:off x="1982329" y="3158440"/>
+            <a:off x="2003438" y="3685972"/>
             <a:ext cx="1093635" cy="346760"/>
           </a:xfrm>
           <a:prstGeom prst="rect">
@@ -3557,7 +3557,7 @@
           <a:p>
             <a:pPr algn="ctr"/>
             <a:r>
-              <a:rPr lang="en-US" sz="1050" dirty="0" err="1">
+              <a:rPr lang="en-US" sz="1050">
                 <a:solidFill>
                   <a:schemeClr val="bg1"/>
                 </a:solidFill>
@@ -3580,8 +3580,8 @@
         </p:nvSpPr>
         <p:spPr>
           <a:xfrm rot="16200000">
-            <a:off x="766697" y="2792950"/>
-            <a:ext cx="1093635" cy="346760"/>
+            <a:off x="93480" y="3466168"/>
+            <a:ext cx="2440069" cy="346760"/>
           </a:xfrm>
           <a:prstGeom prst="rect">
             <a:avLst/>
@@ -3636,20 +3636,17 @@
           <p:cNvPr id="107" name="Elbow Connector 106"/>
           <p:cNvCxnSpPr>
             <a:cxnSpLocks/>
-            <a:stCxn id="9" idx="1"/>
             <a:endCxn id="62" idx="2"/>
           </p:cNvCxnSpPr>
           <p:nvPr/>
         </p:nvCxnSpPr>
         <p:spPr>
-          <a:xfrm rot="5400000" flipH="1" flipV="1">
-            <a:off x="3236656" y="976885"/>
-            <a:ext cx="613122" cy="4459404"/>
-          </a:xfrm>
-          <a:prstGeom prst="bentConnector3">
-            <a:avLst>
-              <a:gd name="adj1" fmla="val -26668"/>
-            </a:avLst>
+          <a:xfrm flipV="1">
+            <a:off x="1473782" y="2900026"/>
+            <a:ext cx="4299137" cy="556261"/>
+          </a:xfrm>
+          <a:prstGeom prst="bentConnector2">
+            <a:avLst/>
           </a:prstGeom>
           <a:ln w="19050">
             <a:solidFill>
@@ -3804,7 +3801,7 @@
         </p:nvCxnSpPr>
         <p:spPr>
           <a:xfrm>
-            <a:off x="1714977" y="3331820"/>
+            <a:off x="1736086" y="3859352"/>
             <a:ext cx="267352" cy="0"/>
           </a:xfrm>
           <a:prstGeom prst="straightConnector1">
@@ -3926,7 +3923,7 @@
         </p:nvSpPr>
         <p:spPr>
           <a:xfrm>
-            <a:off x="1478929" y="3245130"/>
+            <a:off x="1500038" y="3772662"/>
             <a:ext cx="236048" cy="173380"/>
           </a:xfrm>
           <a:prstGeom prst="flowChartDecision">
@@ -4996,7 +4993,7 @@
         </p:nvSpPr>
         <p:spPr>
           <a:xfrm>
-            <a:off x="1162550" y="3934691"/>
+            <a:off x="1196109" y="6179204"/>
             <a:ext cx="1066800" cy="346760"/>
           </a:xfrm>
           <a:prstGeom prst="rect">
@@ -5036,16 +5033,8 @@
               </a:rPr>
               <a:t>&lt;&lt;interface&gt;&gt;</a:t>
             </a:r>
-            <a:r>
-              <a:rPr lang="en-US" sz="1050">
-                <a:solidFill>
-                  <a:srgbClr val="7030A0"/>
-                </a:solidFill>
-              </a:rPr>
-              <a:t/>
-            </a:r>
             <a:br>
-              <a:rPr lang="en-US" sz="1050">
+              <a:rPr lang="en-US" sz="1050" dirty="0">
                 <a:solidFill>
                   <a:srgbClr val="7030A0"/>
                 </a:solidFill>
@@ -5078,8 +5067,8 @@
         </p:nvCxnSpPr>
         <p:spPr>
           <a:xfrm rot="16200000" flipH="1">
-            <a:off x="469624" y="3415144"/>
-            <a:ext cx="831471" cy="554381"/>
+            <a:off x="-635853" y="4520622"/>
+            <a:ext cx="3075984" cy="587940"/>
           </a:xfrm>
           <a:prstGeom prst="bentConnector2">
             <a:avLst/>
@@ -5234,7 +5223,7 @@
         </p:nvSpPr>
         <p:spPr>
           <a:xfrm>
-            <a:off x="1812219" y="3362937"/>
+            <a:off x="1833328" y="3890469"/>
             <a:ext cx="189257" cy="178683"/>
           </a:xfrm>
           <a:prstGeom prst="rect">
@@ -5309,7 +5298,7 @@
           <p:cNvPr id="52" name="Rectangle 8">
             <a:extLst>
               <a:ext uri="{FF2B5EF4-FFF2-40B4-BE49-F238E27FC236}">
-                <a16:creationId xmlns:a16="http://schemas.microsoft.com/office/drawing/2014/main" xmlns="" id="{ABDCDBD2-131A-4B66-A2F2-43BBEE82C773}"/>
+                <a16:creationId xmlns:a16="http://schemas.microsoft.com/office/drawing/2014/main" id="{ABDCDBD2-131A-4B66-A2F2-43BBEE82C773}"/>
               </a:ext>
             </a:extLst>
           </p:cNvPr>
@@ -5371,7 +5360,7 @@
           <p:cNvPr id="53" name="Elbow Connector 78">
             <a:extLst>
               <a:ext uri="{FF2B5EF4-FFF2-40B4-BE49-F238E27FC236}">
-                <a16:creationId xmlns:a16="http://schemas.microsoft.com/office/drawing/2014/main" xmlns="" id="{B97967F8-618A-448B-81FD-CDFD4AF0EC64}"/>
+                <a16:creationId xmlns:a16="http://schemas.microsoft.com/office/drawing/2014/main" id="{B97967F8-618A-448B-81FD-CDFD4AF0EC64}"/>
               </a:ext>
             </a:extLst>
           </p:cNvPr>
@@ -5421,7 +5410,7 @@
           <p:cNvPr id="50" name="TextBox 49">
             <a:extLst>
               <a:ext uri="{FF2B5EF4-FFF2-40B4-BE49-F238E27FC236}">
-                <a16:creationId xmlns:a16="http://schemas.microsoft.com/office/drawing/2014/main" xmlns="" id="{B3FA9D57-880F-49C4-AD0B-A64E30D6F403}"/>
+                <a16:creationId xmlns:a16="http://schemas.microsoft.com/office/drawing/2014/main" id="{B3FA9D57-880F-49C4-AD0B-A64E30D6F403}"/>
               </a:ext>
             </a:extLst>
           </p:cNvPr>
@@ -5659,7 +5648,7 @@
           <p:cNvPr id="56" name="Rectangle 8">
             <a:extLst>
               <a:ext uri="{FF2B5EF4-FFF2-40B4-BE49-F238E27FC236}">
-                <a16:creationId xmlns:a16="http://schemas.microsoft.com/office/drawing/2014/main" xmlns="" id="{5D3CD1F5-C42A-49F4-A507-1CAF83F1EDE8}"/>
+                <a16:creationId xmlns:a16="http://schemas.microsoft.com/office/drawing/2014/main" id="{5D3CD1F5-C42A-49F4-A507-1CAF83F1EDE8}"/>
               </a:ext>
             </a:extLst>
           </p:cNvPr>
@@ -5721,7 +5710,7 @@
           <p:cNvPr id="57" name="Rectangle 8">
             <a:extLst>
               <a:ext uri="{FF2B5EF4-FFF2-40B4-BE49-F238E27FC236}">
-                <a16:creationId xmlns:a16="http://schemas.microsoft.com/office/drawing/2014/main" xmlns="" id="{1D68D65E-3CA3-41FD-B787-5D4459E1265A}"/>
+                <a16:creationId xmlns:a16="http://schemas.microsoft.com/office/drawing/2014/main" id="{1D68D65E-3CA3-41FD-B787-5D4459E1265A}"/>
               </a:ext>
             </a:extLst>
           </p:cNvPr>
@@ -5783,7 +5772,7 @@
           <p:cNvPr id="59" name="Rectangle 8">
             <a:extLst>
               <a:ext uri="{FF2B5EF4-FFF2-40B4-BE49-F238E27FC236}">
-                <a16:creationId xmlns:a16="http://schemas.microsoft.com/office/drawing/2014/main" xmlns="" id="{3E19803D-2A74-4410-BF6E-CCFF0A1FFA75}"/>
+                <a16:creationId xmlns:a16="http://schemas.microsoft.com/office/drawing/2014/main" id="{3E19803D-2A74-4410-BF6E-CCFF0A1FFA75}"/>
               </a:ext>
             </a:extLst>
           </p:cNvPr>
@@ -5845,7 +5834,7 @@
           <p:cNvPr id="71" name="Elbow Connector 78">
             <a:extLst>
               <a:ext uri="{FF2B5EF4-FFF2-40B4-BE49-F238E27FC236}">
-                <a16:creationId xmlns:a16="http://schemas.microsoft.com/office/drawing/2014/main" xmlns="" id="{6EA0EA1D-B248-42D1-AC98-63B9E6A4BF36}"/>
+                <a16:creationId xmlns:a16="http://schemas.microsoft.com/office/drawing/2014/main" id="{6EA0EA1D-B248-42D1-AC98-63B9E6A4BF36}"/>
               </a:ext>
             </a:extLst>
           </p:cNvPr>
@@ -5895,7 +5884,7 @@
           <p:cNvPr id="72" name="Elbow Connector 78">
             <a:extLst>
               <a:ext uri="{FF2B5EF4-FFF2-40B4-BE49-F238E27FC236}">
-                <a16:creationId xmlns:a16="http://schemas.microsoft.com/office/drawing/2014/main" xmlns="" id="{27906B74-66F0-465A-9245-F2704DCBA9B5}"/>
+                <a16:creationId xmlns:a16="http://schemas.microsoft.com/office/drawing/2014/main" id="{27906B74-66F0-465A-9245-F2704DCBA9B5}"/>
               </a:ext>
             </a:extLst>
           </p:cNvPr>
@@ -5945,7 +5934,7 @@
           <p:cNvPr id="73" name="Elbow Connector 78">
             <a:extLst>
               <a:ext uri="{FF2B5EF4-FFF2-40B4-BE49-F238E27FC236}">
-                <a16:creationId xmlns:a16="http://schemas.microsoft.com/office/drawing/2014/main" xmlns="" id="{4EDEB23F-0729-4572-8C7B-FB6847CB8784}"/>
+                <a16:creationId xmlns:a16="http://schemas.microsoft.com/office/drawing/2014/main" id="{4EDEB23F-0729-4572-8C7B-FB6847CB8784}"/>
               </a:ext>
             </a:extLst>
           </p:cNvPr>
@@ -5995,7 +5984,7 @@
           <p:cNvPr id="74" name="Rectangle 8">
             <a:extLst>
               <a:ext uri="{FF2B5EF4-FFF2-40B4-BE49-F238E27FC236}">
-                <a16:creationId xmlns:a16="http://schemas.microsoft.com/office/drawing/2014/main" xmlns="" id="{3E28DE11-038B-4078-A00D-D599C814C997}"/>
+                <a16:creationId xmlns:a16="http://schemas.microsoft.com/office/drawing/2014/main" id="{3E28DE11-038B-4078-A00D-D599C814C997}"/>
               </a:ext>
             </a:extLst>
           </p:cNvPr>
@@ -6057,7 +6046,7 @@
           <p:cNvPr id="77" name="Elbow Connector 78">
             <a:extLst>
               <a:ext uri="{FF2B5EF4-FFF2-40B4-BE49-F238E27FC236}">
-                <a16:creationId xmlns:a16="http://schemas.microsoft.com/office/drawing/2014/main" xmlns="" id="{8A4DBA9A-CB1B-41B2-8EE8-FAE1722D3B12}"/>
+                <a16:creationId xmlns:a16="http://schemas.microsoft.com/office/drawing/2014/main" id="{8A4DBA9A-CB1B-41B2-8EE8-FAE1722D3B12}"/>
               </a:ext>
             </a:extLst>
           </p:cNvPr>
@@ -6105,7 +6094,7 @@
           <p:cNvPr id="67" name="Rectangle 8">
             <a:extLst>
               <a:ext uri="{FF2B5EF4-FFF2-40B4-BE49-F238E27FC236}">
-                <a16:creationId xmlns:a16="http://schemas.microsoft.com/office/drawing/2014/main" xmlns="" id="{3E28DE11-038B-4078-A00D-D599C814C997}"/>
+                <a16:creationId xmlns:a16="http://schemas.microsoft.com/office/drawing/2014/main" id="{3E28DE11-038B-4078-A00D-D599C814C997}"/>
               </a:ext>
             </a:extLst>
           </p:cNvPr>
@@ -6147,7 +6136,7 @@
           <a:p>
             <a:pPr algn="ctr"/>
             <a:r>
-              <a:rPr lang="en-US" sz="1050" dirty="0" smtClean="0">
+              <a:rPr lang="en-US" sz="1050" dirty="0">
                 <a:solidFill>
                   <a:srgbClr val="7030A0"/>
                 </a:solidFill>
@@ -6167,7 +6156,7 @@
           <p:cNvPr id="82" name="Rectangle 8">
             <a:extLst>
               <a:ext uri="{FF2B5EF4-FFF2-40B4-BE49-F238E27FC236}">
-                <a16:creationId xmlns:a16="http://schemas.microsoft.com/office/drawing/2014/main" xmlns="" id="{3E28DE11-038B-4078-A00D-D599C814C997}"/>
+                <a16:creationId xmlns:a16="http://schemas.microsoft.com/office/drawing/2014/main" id="{3E28DE11-038B-4078-A00D-D599C814C997}"/>
               </a:ext>
             </a:extLst>
           </p:cNvPr>
@@ -6209,7 +6198,7 @@
           <a:p>
             <a:pPr algn="ctr"/>
             <a:r>
-              <a:rPr lang="en-US" sz="1050" dirty="0" smtClean="0">
+              <a:rPr lang="en-US" sz="1050" dirty="0">
                 <a:solidFill>
                   <a:srgbClr val="7030A0"/>
                 </a:solidFill>
@@ -6229,7 +6218,7 @@
           <p:cNvPr id="87" name="Rectangle 8">
             <a:extLst>
               <a:ext uri="{FF2B5EF4-FFF2-40B4-BE49-F238E27FC236}">
-                <a16:creationId xmlns:a16="http://schemas.microsoft.com/office/drawing/2014/main" xmlns="" id="{3E28DE11-038B-4078-A00D-D599C814C997}"/>
+                <a16:creationId xmlns:a16="http://schemas.microsoft.com/office/drawing/2014/main" id="{3E28DE11-038B-4078-A00D-D599C814C997}"/>
               </a:ext>
             </a:extLst>
           </p:cNvPr>
@@ -6271,7 +6260,7 @@
           <a:p>
             <a:pPr algn="ctr"/>
             <a:r>
-              <a:rPr lang="en-US" sz="1050" dirty="0" smtClean="0">
+              <a:rPr lang="en-US" sz="1050" dirty="0">
                 <a:solidFill>
                   <a:srgbClr val="7030A0"/>
                 </a:solidFill>
@@ -6291,7 +6280,7 @@
           <p:cNvPr id="88" name="Rectangle 8">
             <a:extLst>
               <a:ext uri="{FF2B5EF4-FFF2-40B4-BE49-F238E27FC236}">
-                <a16:creationId xmlns:a16="http://schemas.microsoft.com/office/drawing/2014/main" xmlns="" id="{3E28DE11-038B-4078-A00D-D599C814C997}"/>
+                <a16:creationId xmlns:a16="http://schemas.microsoft.com/office/drawing/2014/main" id="{3E28DE11-038B-4078-A00D-D599C814C997}"/>
               </a:ext>
             </a:extLst>
           </p:cNvPr>
@@ -6333,7 +6322,7 @@
           <a:p>
             <a:pPr algn="ctr"/>
             <a:r>
-              <a:rPr lang="en-US" sz="1050" dirty="0" smtClean="0">
+              <a:rPr lang="en-US" sz="1050" dirty="0">
                 <a:solidFill>
                   <a:srgbClr val="7030A0"/>
                 </a:solidFill>
@@ -6353,7 +6342,7 @@
           <p:cNvPr id="89" name="Elbow Connector 78">
             <a:extLst>
               <a:ext uri="{FF2B5EF4-FFF2-40B4-BE49-F238E27FC236}">
-                <a16:creationId xmlns:a16="http://schemas.microsoft.com/office/drawing/2014/main" xmlns="" id="{8A4DBA9A-CB1B-41B2-8EE8-FAE1722D3B12}"/>
+                <a16:creationId xmlns:a16="http://schemas.microsoft.com/office/drawing/2014/main" id="{8A4DBA9A-CB1B-41B2-8EE8-FAE1722D3B12}"/>
               </a:ext>
             </a:extLst>
           </p:cNvPr>
@@ -6400,7 +6389,7 @@
           <p:cNvPr id="90" name="Elbow Connector 78">
             <a:extLst>
               <a:ext uri="{FF2B5EF4-FFF2-40B4-BE49-F238E27FC236}">
-                <a16:creationId xmlns:a16="http://schemas.microsoft.com/office/drawing/2014/main" xmlns="" id="{8A4DBA9A-CB1B-41B2-8EE8-FAE1722D3B12}"/>
+                <a16:creationId xmlns:a16="http://schemas.microsoft.com/office/drawing/2014/main" id="{8A4DBA9A-CB1B-41B2-8EE8-FAE1722D3B12}"/>
               </a:ext>
             </a:extLst>
           </p:cNvPr>
@@ -6447,7 +6436,7 @@
           <p:cNvPr id="91" name="Elbow Connector 78">
             <a:extLst>
               <a:ext uri="{FF2B5EF4-FFF2-40B4-BE49-F238E27FC236}">
-                <a16:creationId xmlns:a16="http://schemas.microsoft.com/office/drawing/2014/main" xmlns="" id="{8A4DBA9A-CB1B-41B2-8EE8-FAE1722D3B12}"/>
+                <a16:creationId xmlns:a16="http://schemas.microsoft.com/office/drawing/2014/main" id="{8A4DBA9A-CB1B-41B2-8EE8-FAE1722D3B12}"/>
               </a:ext>
             </a:extLst>
           </p:cNvPr>
@@ -6493,7 +6482,7 @@
           <p:cNvPr id="92" name="Elbow Connector 78">
             <a:extLst>
               <a:ext uri="{FF2B5EF4-FFF2-40B4-BE49-F238E27FC236}">
-                <a16:creationId xmlns:a16="http://schemas.microsoft.com/office/drawing/2014/main" xmlns="" id="{8A4DBA9A-CB1B-41B2-8EE8-FAE1722D3B12}"/>
+                <a16:creationId xmlns:a16="http://schemas.microsoft.com/office/drawing/2014/main" id="{8A4DBA9A-CB1B-41B2-8EE8-FAE1722D3B12}"/>
               </a:ext>
             </a:extLst>
           </p:cNvPr>
@@ -6539,7 +6528,7 @@
           <p:cNvPr id="93" name="Rectangle 8">
             <a:extLst>
               <a:ext uri="{FF2B5EF4-FFF2-40B4-BE49-F238E27FC236}">
-                <a16:creationId xmlns:a16="http://schemas.microsoft.com/office/drawing/2014/main" xmlns="" id="{3E28DE11-038B-4078-A00D-D599C814C997}"/>
+                <a16:creationId xmlns:a16="http://schemas.microsoft.com/office/drawing/2014/main" id="{3E28DE11-038B-4078-A00D-D599C814C997}"/>
               </a:ext>
             </a:extLst>
           </p:cNvPr>
@@ -6581,7 +6570,7 @@
           <a:p>
             <a:pPr algn="ctr"/>
             <a:r>
-              <a:rPr lang="en-US" sz="1050" dirty="0" smtClean="0">
+              <a:rPr lang="en-US" sz="1050" dirty="0">
                 <a:solidFill>
                   <a:srgbClr val="7030A0"/>
                 </a:solidFill>
@@ -6601,7 +6590,7 @@
           <p:cNvPr id="94" name="Rectangle 8">
             <a:extLst>
               <a:ext uri="{FF2B5EF4-FFF2-40B4-BE49-F238E27FC236}">
-                <a16:creationId xmlns:a16="http://schemas.microsoft.com/office/drawing/2014/main" xmlns="" id="{3E28DE11-038B-4078-A00D-D599C814C997}"/>
+                <a16:creationId xmlns:a16="http://schemas.microsoft.com/office/drawing/2014/main" id="{3E28DE11-038B-4078-A00D-D599C814C997}"/>
               </a:ext>
             </a:extLst>
           </p:cNvPr>
@@ -6643,7 +6632,7 @@
           <a:p>
             <a:pPr algn="ctr"/>
             <a:r>
-              <a:rPr lang="en-US" sz="1050" dirty="0" smtClean="0">
+              <a:rPr lang="en-US" sz="1050" dirty="0">
                 <a:solidFill>
                   <a:srgbClr val="7030A0"/>
                 </a:solidFill>
@@ -6663,7 +6652,7 @@
           <p:cNvPr id="95" name="Rectangle 8">
             <a:extLst>
               <a:ext uri="{FF2B5EF4-FFF2-40B4-BE49-F238E27FC236}">
-                <a16:creationId xmlns:a16="http://schemas.microsoft.com/office/drawing/2014/main" xmlns="" id="{3E28DE11-038B-4078-A00D-D599C814C997}"/>
+                <a16:creationId xmlns:a16="http://schemas.microsoft.com/office/drawing/2014/main" id="{3E28DE11-038B-4078-A00D-D599C814C997}"/>
               </a:ext>
             </a:extLst>
           </p:cNvPr>
@@ -6705,7 +6694,7 @@
           <a:p>
             <a:pPr algn="ctr"/>
             <a:r>
-              <a:rPr lang="en-US" sz="1050" dirty="0" smtClean="0">
+              <a:rPr lang="en-US" sz="1050" dirty="0">
                 <a:solidFill>
                   <a:srgbClr val="7030A0"/>
                 </a:solidFill>
@@ -6865,6 +6854,1477 @@
           </a:effectRef>
           <a:fontRef idx="minor">
             <a:schemeClr val="tx1"/>
+          </a:fontRef>
+        </p:style>
+      </p:cxnSp>
+      <p:sp>
+        <p:nvSpPr>
+          <p:cNvPr id="98" name="Rectangle 8">
+            <a:extLst>
+              <a:ext uri="{FF2B5EF4-FFF2-40B4-BE49-F238E27FC236}">
+                <a16:creationId xmlns:a16="http://schemas.microsoft.com/office/drawing/2014/main" id="{9245C6CB-1236-4D37-A696-C056A6058BCE}"/>
+              </a:ext>
+            </a:extLst>
+          </p:cNvPr>
+          <p:cNvSpPr/>
+          <p:nvPr/>
+        </p:nvSpPr>
+        <p:spPr>
+          <a:xfrm>
+            <a:off x="1933775" y="4356483"/>
+            <a:ext cx="754302" cy="334856"/>
+          </a:xfrm>
+          <a:prstGeom prst="rect">
+            <a:avLst/>
+          </a:prstGeom>
+          <a:ln w="19050">
+            <a:solidFill>
+              <a:srgbClr val="7030A0"/>
+            </a:solidFill>
+          </a:ln>
+          <a:effectLst/>
+        </p:spPr>
+        <p:style>
+          <a:lnRef idx="1">
+            <a:schemeClr val="accent4"/>
+          </a:lnRef>
+          <a:fillRef idx="2">
+            <a:schemeClr val="accent4"/>
+          </a:fillRef>
+          <a:effectRef idx="1">
+            <a:schemeClr val="accent4"/>
+          </a:effectRef>
+          <a:fontRef idx="minor">
+            <a:schemeClr val="dk1"/>
+          </a:fontRef>
+        </p:style>
+        <p:txBody>
+          <a:bodyPr rtlCol="0" anchor="ctr"/>
+          <a:lstStyle/>
+          <a:p>
+            <a:pPr algn="ctr"/>
+            <a:r>
+              <a:rPr lang="en-US" sz="1050" dirty="0" err="1">
+                <a:solidFill>
+                  <a:srgbClr val="7030A0"/>
+                </a:solidFill>
+              </a:rPr>
+              <a:t>VersionedLeaveList</a:t>
+            </a:r>
+            <a:endParaRPr lang="en-SG" sz="1050" dirty="0">
+              <a:solidFill>
+                <a:srgbClr val="7030A0"/>
+              </a:solidFill>
+            </a:endParaRPr>
+          </a:p>
+        </p:txBody>
+      </p:sp>
+      <p:cxnSp>
+        <p:nvCxnSpPr>
+          <p:cNvPr id="102" name="Straight Arrow Connector 101">
+            <a:extLst>
+              <a:ext uri="{FF2B5EF4-FFF2-40B4-BE49-F238E27FC236}">
+                <a16:creationId xmlns:a16="http://schemas.microsoft.com/office/drawing/2014/main" id="{2F0766F0-57BD-4A08-B872-D393248F812E}"/>
+              </a:ext>
+            </a:extLst>
+          </p:cNvPr>
+          <p:cNvCxnSpPr>
+            <a:cxnSpLocks/>
+            <a:stCxn id="103" idx="3"/>
+            <a:endCxn id="98" idx="1"/>
+          </p:cNvCxnSpPr>
+          <p:nvPr/>
+        </p:nvCxnSpPr>
+        <p:spPr>
+          <a:xfrm>
+            <a:off x="1732855" y="4513354"/>
+            <a:ext cx="200920" cy="10557"/>
+          </a:xfrm>
+          <a:prstGeom prst="straightConnector1">
+            <a:avLst/>
+          </a:prstGeom>
+          <a:ln w="19050">
+            <a:solidFill>
+              <a:srgbClr val="7030A0"/>
+            </a:solidFill>
+            <a:headEnd type="none" w="med" len="med"/>
+            <a:tailEnd type="arrow" w="med" len="med"/>
+          </a:ln>
+          <a:effectLst/>
+        </p:spPr>
+        <p:style>
+          <a:lnRef idx="1">
+            <a:schemeClr val="accent2"/>
+          </a:lnRef>
+          <a:fillRef idx="2">
+            <a:schemeClr val="accent2"/>
+          </a:fillRef>
+          <a:effectRef idx="1">
+            <a:schemeClr val="accent2"/>
+          </a:effectRef>
+          <a:fontRef idx="minor">
+            <a:schemeClr val="dk1"/>
+          </a:fontRef>
+        </p:style>
+      </p:cxnSp>
+      <p:sp>
+        <p:nvSpPr>
+          <p:cNvPr id="103" name="Flowchart: Decision 96">
+            <a:extLst>
+              <a:ext uri="{FF2B5EF4-FFF2-40B4-BE49-F238E27FC236}">
+                <a16:creationId xmlns:a16="http://schemas.microsoft.com/office/drawing/2014/main" id="{6252C331-98EB-42A5-8AF8-14273508B37F}"/>
+              </a:ext>
+            </a:extLst>
+          </p:cNvPr>
+          <p:cNvSpPr/>
+          <p:nvPr/>
+        </p:nvSpPr>
+        <p:spPr>
+          <a:xfrm>
+            <a:off x="1496807" y="4426664"/>
+            <a:ext cx="236048" cy="173380"/>
+          </a:xfrm>
+          <a:prstGeom prst="flowChartDecision">
+            <a:avLst/>
+          </a:prstGeom>
+          <a:noFill/>
+          <a:ln w="19050">
+            <a:solidFill>
+              <a:srgbClr val="7030A0"/>
+            </a:solidFill>
+          </a:ln>
+          <a:effectLst/>
+        </p:spPr>
+        <p:style>
+          <a:lnRef idx="1">
+            <a:schemeClr val="accent6"/>
+          </a:lnRef>
+          <a:fillRef idx="2">
+            <a:schemeClr val="accent6"/>
+          </a:fillRef>
+          <a:effectRef idx="1">
+            <a:schemeClr val="accent6"/>
+          </a:effectRef>
+          <a:fontRef idx="minor">
+            <a:schemeClr val="dk1"/>
+          </a:fontRef>
+        </p:style>
+        <p:txBody>
+          <a:bodyPr rtlCol="0" anchor="ctr"/>
+          <a:lstStyle/>
+          <a:p>
+            <a:pPr algn="ctr"/>
+            <a:endParaRPr lang="en-US" sz="1050"/>
+          </a:p>
+        </p:txBody>
+      </p:sp>
+      <p:sp>
+        <p:nvSpPr>
+          <p:cNvPr id="104" name="TextBox 103">
+            <a:extLst>
+              <a:ext uri="{FF2B5EF4-FFF2-40B4-BE49-F238E27FC236}">
+                <a16:creationId xmlns:a16="http://schemas.microsoft.com/office/drawing/2014/main" id="{F459338E-07E4-4B9A-A73E-9359F402AB5B}"/>
+              </a:ext>
+            </a:extLst>
+          </p:cNvPr>
+          <p:cNvSpPr txBox="1"/>
+          <p:nvPr/>
+        </p:nvSpPr>
+        <p:spPr>
+          <a:xfrm>
+            <a:off x="1681889" y="4267036"/>
+            <a:ext cx="170110" cy="137542"/>
+          </a:xfrm>
+          <a:prstGeom prst="rect">
+            <a:avLst/>
+          </a:prstGeom>
+          <a:noFill/>
+        </p:spPr>
+        <p:txBody>
+          <a:bodyPr wrap="square" lIns="0" tIns="0" rIns="0" bIns="0" rtlCol="0">
+            <a:noAutofit/>
+          </a:bodyPr>
+          <a:lstStyle/>
+          <a:p>
+            <a:pPr algn="ctr"/>
+            <a:r>
+              <a:rPr lang="en-US" sz="1100">
+                <a:solidFill>
+                  <a:srgbClr val="7030A0"/>
+                </a:solidFill>
+              </a:rPr>
+              <a:t>1</a:t>
+            </a:r>
+            <a:endParaRPr lang="en-SG" sz="1100" dirty="0">
+              <a:solidFill>
+                <a:srgbClr val="7030A0"/>
+              </a:solidFill>
+            </a:endParaRPr>
+          </a:p>
+        </p:txBody>
+      </p:sp>
+      <p:sp>
+        <p:nvSpPr>
+          <p:cNvPr id="106" name="Rectangle 8">
+            <a:extLst>
+              <a:ext uri="{FF2B5EF4-FFF2-40B4-BE49-F238E27FC236}">
+                <a16:creationId xmlns:a16="http://schemas.microsoft.com/office/drawing/2014/main" id="{DAC22878-148C-4D7B-B8B9-E95E377A9632}"/>
+              </a:ext>
+            </a:extLst>
+          </p:cNvPr>
+          <p:cNvSpPr/>
+          <p:nvPr/>
+        </p:nvSpPr>
+        <p:spPr>
+          <a:xfrm>
+            <a:off x="3080027" y="4369930"/>
+            <a:ext cx="926793" cy="346760"/>
+          </a:xfrm>
+          <a:prstGeom prst="rect">
+            <a:avLst/>
+          </a:prstGeom>
+          <a:ln w="19050">
+            <a:solidFill>
+              <a:srgbClr val="7030A0"/>
+            </a:solidFill>
+          </a:ln>
+          <a:effectLst/>
+        </p:spPr>
+        <p:style>
+          <a:lnRef idx="1">
+            <a:schemeClr val="accent4"/>
+          </a:lnRef>
+          <a:fillRef idx="2">
+            <a:schemeClr val="accent4"/>
+          </a:fillRef>
+          <a:effectRef idx="1">
+            <a:schemeClr val="accent4"/>
+          </a:effectRef>
+          <a:fontRef idx="minor">
+            <a:schemeClr val="dk1"/>
+          </a:fontRef>
+        </p:style>
+        <p:txBody>
+          <a:bodyPr rtlCol="0" anchor="ctr"/>
+          <a:lstStyle/>
+          <a:p>
+            <a:pPr algn="ctr"/>
+            <a:r>
+              <a:rPr lang="en-US" sz="1050" dirty="0" err="1">
+                <a:solidFill>
+                  <a:srgbClr val="7030A0"/>
+                </a:solidFill>
+              </a:rPr>
+              <a:t>UniqueLeaveList</a:t>
+            </a:r>
+            <a:endParaRPr lang="en-SG" sz="1050" dirty="0">
+              <a:solidFill>
+                <a:srgbClr val="7030A0"/>
+              </a:solidFill>
+            </a:endParaRPr>
+          </a:p>
+        </p:txBody>
+      </p:sp>
+      <p:sp>
+        <p:nvSpPr>
+          <p:cNvPr id="110" name="Flowchart: Decision 96">
+            <a:extLst>
+              <a:ext uri="{FF2B5EF4-FFF2-40B4-BE49-F238E27FC236}">
+                <a16:creationId xmlns:a16="http://schemas.microsoft.com/office/drawing/2014/main" id="{99C0B8C1-2F42-4D06-B790-83D4653CAA2F}"/>
+              </a:ext>
+            </a:extLst>
+          </p:cNvPr>
+          <p:cNvSpPr/>
+          <p:nvPr/>
+        </p:nvSpPr>
+        <p:spPr>
+          <a:xfrm>
+            <a:off x="2700213" y="4436661"/>
+            <a:ext cx="236048" cy="173380"/>
+          </a:xfrm>
+          <a:prstGeom prst="flowChartDecision">
+            <a:avLst/>
+          </a:prstGeom>
+          <a:solidFill>
+            <a:srgbClr val="7030A0"/>
+          </a:solidFill>
+          <a:ln w="19050">
+            <a:solidFill>
+              <a:srgbClr val="7030A0"/>
+            </a:solidFill>
+          </a:ln>
+          <a:effectLst/>
+        </p:spPr>
+        <p:style>
+          <a:lnRef idx="1">
+            <a:schemeClr val="accent6"/>
+          </a:lnRef>
+          <a:fillRef idx="2">
+            <a:schemeClr val="accent6"/>
+          </a:fillRef>
+          <a:effectRef idx="1">
+            <a:schemeClr val="accent6"/>
+          </a:effectRef>
+          <a:fontRef idx="minor">
+            <a:schemeClr val="dk1"/>
+          </a:fontRef>
+        </p:style>
+        <p:txBody>
+          <a:bodyPr rtlCol="0" anchor="ctr"/>
+          <a:lstStyle/>
+          <a:p>
+            <a:pPr algn="ctr"/>
+            <a:endParaRPr lang="en-US" sz="1050"/>
+          </a:p>
+        </p:txBody>
+      </p:sp>
+      <p:sp>
+        <p:nvSpPr>
+          <p:cNvPr id="111" name="TextBox 110">
+            <a:extLst>
+              <a:ext uri="{FF2B5EF4-FFF2-40B4-BE49-F238E27FC236}">
+                <a16:creationId xmlns:a16="http://schemas.microsoft.com/office/drawing/2014/main" id="{50F080F8-69DF-41C0-B5D9-BCFCEE5805EC}"/>
+              </a:ext>
+            </a:extLst>
+          </p:cNvPr>
+          <p:cNvSpPr txBox="1"/>
+          <p:nvPr/>
+        </p:nvSpPr>
+        <p:spPr>
+          <a:xfrm>
+            <a:off x="2906463" y="4588037"/>
+            <a:ext cx="189257" cy="178683"/>
+          </a:xfrm>
+          <a:prstGeom prst="rect">
+            <a:avLst/>
+          </a:prstGeom>
+          <a:noFill/>
+        </p:spPr>
+        <p:txBody>
+          <a:bodyPr wrap="square" lIns="0" tIns="0" rIns="0" bIns="0" rtlCol="0">
+            <a:noAutofit/>
+          </a:bodyPr>
+          <a:lstStyle/>
+          <a:p>
+            <a:pPr algn="ctr"/>
+            <a:r>
+              <a:rPr lang="en-US" sz="1100" dirty="0">
+                <a:solidFill>
+                  <a:srgbClr val="7030A0"/>
+                </a:solidFill>
+              </a:rPr>
+              <a:t>1</a:t>
+            </a:r>
+            <a:endParaRPr lang="en-SG" sz="1100" dirty="0">
+              <a:solidFill>
+                <a:srgbClr val="7030A0"/>
+              </a:solidFill>
+            </a:endParaRPr>
+          </a:p>
+        </p:txBody>
+      </p:sp>
+      <p:cxnSp>
+        <p:nvCxnSpPr>
+          <p:cNvPr id="112" name="Straight Arrow Connector 111">
+            <a:extLst>
+              <a:ext uri="{FF2B5EF4-FFF2-40B4-BE49-F238E27FC236}">
+                <a16:creationId xmlns:a16="http://schemas.microsoft.com/office/drawing/2014/main" id="{2AF2648F-7BC8-46AD-B494-E635D59D2CC8}"/>
+              </a:ext>
+            </a:extLst>
+          </p:cNvPr>
+          <p:cNvCxnSpPr>
+            <a:cxnSpLocks/>
+            <a:stCxn id="110" idx="1"/>
+          </p:cNvCxnSpPr>
+          <p:nvPr/>
+        </p:nvCxnSpPr>
+        <p:spPr>
+          <a:xfrm>
+            <a:off x="2700213" y="4523351"/>
+            <a:ext cx="367678" cy="12320"/>
+          </a:xfrm>
+          <a:prstGeom prst="straightConnector1">
+            <a:avLst/>
+          </a:prstGeom>
+          <a:ln w="19050">
+            <a:solidFill>
+              <a:srgbClr val="7030A0"/>
+            </a:solidFill>
+            <a:headEnd type="none" w="med" len="med"/>
+            <a:tailEnd type="arrow" w="med" len="med"/>
+          </a:ln>
+          <a:effectLst/>
+        </p:spPr>
+        <p:style>
+          <a:lnRef idx="1">
+            <a:schemeClr val="accent2"/>
+          </a:lnRef>
+          <a:fillRef idx="2">
+            <a:schemeClr val="accent2"/>
+          </a:fillRef>
+          <a:effectRef idx="1">
+            <a:schemeClr val="accent2"/>
+          </a:effectRef>
+          <a:fontRef idx="minor">
+            <a:schemeClr val="dk1"/>
+          </a:fontRef>
+        </p:style>
+      </p:cxnSp>
+      <p:sp>
+        <p:nvSpPr>
+          <p:cNvPr id="113" name="Flowchart: Decision 96">
+            <a:extLst>
+              <a:ext uri="{FF2B5EF4-FFF2-40B4-BE49-F238E27FC236}">
+                <a16:creationId xmlns:a16="http://schemas.microsoft.com/office/drawing/2014/main" id="{5D0EEF09-B403-4472-AA7B-A14051E04B0F}"/>
+              </a:ext>
+            </a:extLst>
+          </p:cNvPr>
+          <p:cNvSpPr/>
+          <p:nvPr/>
+        </p:nvSpPr>
+        <p:spPr>
+          <a:xfrm>
+            <a:off x="4017448" y="4448981"/>
+            <a:ext cx="236048" cy="173380"/>
+          </a:xfrm>
+          <a:prstGeom prst="flowChartDecision">
+            <a:avLst/>
+          </a:prstGeom>
+          <a:noFill/>
+          <a:ln w="19050">
+            <a:solidFill>
+              <a:srgbClr val="7030A0"/>
+            </a:solidFill>
+          </a:ln>
+          <a:effectLst/>
+        </p:spPr>
+        <p:style>
+          <a:lnRef idx="1">
+            <a:schemeClr val="accent6"/>
+          </a:lnRef>
+          <a:fillRef idx="2">
+            <a:schemeClr val="accent6"/>
+          </a:fillRef>
+          <a:effectRef idx="1">
+            <a:schemeClr val="accent6"/>
+          </a:effectRef>
+          <a:fontRef idx="minor">
+            <a:schemeClr val="dk1"/>
+          </a:fontRef>
+        </p:style>
+        <p:txBody>
+          <a:bodyPr rtlCol="0" anchor="ctr"/>
+          <a:lstStyle/>
+          <a:p>
+            <a:pPr algn="ctr"/>
+            <a:endParaRPr lang="en-US" sz="1050"/>
+          </a:p>
+        </p:txBody>
+      </p:sp>
+      <p:cxnSp>
+        <p:nvCxnSpPr>
+          <p:cNvPr id="115" name="Elbow Connector 63">
+            <a:extLst>
+              <a:ext uri="{FF2B5EF4-FFF2-40B4-BE49-F238E27FC236}">
+                <a16:creationId xmlns:a16="http://schemas.microsoft.com/office/drawing/2014/main" id="{F04ABC55-7095-46A3-9BEE-AD05BF768693}"/>
+              </a:ext>
+            </a:extLst>
+          </p:cNvPr>
+          <p:cNvCxnSpPr>
+            <a:cxnSpLocks/>
+            <a:stCxn id="113" idx="3"/>
+          </p:cNvCxnSpPr>
+          <p:nvPr/>
+        </p:nvCxnSpPr>
+        <p:spPr>
+          <a:xfrm>
+            <a:off x="4253496" y="4535671"/>
+            <a:ext cx="145274" cy="5131"/>
+          </a:xfrm>
+          <a:prstGeom prst="bentConnector3">
+            <a:avLst/>
+          </a:prstGeom>
+          <a:ln w="19050">
+            <a:solidFill>
+              <a:srgbClr val="7030A0"/>
+            </a:solidFill>
+            <a:headEnd type="none" w="med" len="med"/>
+            <a:tailEnd type="arrow" w="med" len="med"/>
+          </a:ln>
+          <a:effectLst/>
+        </p:spPr>
+        <p:style>
+          <a:lnRef idx="1">
+            <a:schemeClr val="accent2"/>
+          </a:lnRef>
+          <a:fillRef idx="2">
+            <a:schemeClr val="accent2"/>
+          </a:fillRef>
+          <a:effectRef idx="1">
+            <a:schemeClr val="accent2"/>
+          </a:effectRef>
+          <a:fontRef idx="minor">
+            <a:schemeClr val="dk1"/>
+          </a:fontRef>
+        </p:style>
+      </p:cxnSp>
+      <p:sp>
+        <p:nvSpPr>
+          <p:cNvPr id="116" name="TextBox 115">
+            <a:extLst>
+              <a:ext uri="{FF2B5EF4-FFF2-40B4-BE49-F238E27FC236}">
+                <a16:creationId xmlns:a16="http://schemas.microsoft.com/office/drawing/2014/main" id="{60F5D050-3955-43A3-BBC9-F1EA4DAF7A3E}"/>
+              </a:ext>
+            </a:extLst>
+          </p:cNvPr>
+          <p:cNvSpPr txBox="1"/>
+          <p:nvPr/>
+        </p:nvSpPr>
+        <p:spPr>
+          <a:xfrm>
+            <a:off x="4251234" y="4621340"/>
+            <a:ext cx="189257" cy="178683"/>
+          </a:xfrm>
+          <a:prstGeom prst="rect">
+            <a:avLst/>
+          </a:prstGeom>
+          <a:noFill/>
+        </p:spPr>
+        <p:txBody>
+          <a:bodyPr wrap="square" lIns="0" tIns="0" rIns="0" bIns="0" rtlCol="0">
+            <a:noAutofit/>
+          </a:bodyPr>
+          <a:lstStyle/>
+          <a:p>
+            <a:pPr algn="ctr"/>
+            <a:r>
+              <a:rPr lang="en-US" sz="1100" dirty="0">
+                <a:solidFill>
+                  <a:srgbClr val="7030A0"/>
+                </a:solidFill>
+              </a:rPr>
+              <a:t>*</a:t>
+            </a:r>
+            <a:endParaRPr lang="en-SG" sz="1100" dirty="0">
+              <a:solidFill>
+                <a:srgbClr val="7030A0"/>
+              </a:solidFill>
+            </a:endParaRPr>
+          </a:p>
+        </p:txBody>
+      </p:sp>
+      <p:sp>
+        <p:nvSpPr>
+          <p:cNvPr id="117" name="Rectangle 8">
+            <a:extLst>
+              <a:ext uri="{FF2B5EF4-FFF2-40B4-BE49-F238E27FC236}">
+                <a16:creationId xmlns:a16="http://schemas.microsoft.com/office/drawing/2014/main" id="{9B1C8982-2F8A-4E85-8A6C-79581D7C294A}"/>
+              </a:ext>
+            </a:extLst>
+          </p:cNvPr>
+          <p:cNvSpPr/>
+          <p:nvPr/>
+        </p:nvSpPr>
+        <p:spPr>
+          <a:xfrm>
+            <a:off x="4396834" y="4364083"/>
+            <a:ext cx="708186" cy="346760"/>
+          </a:xfrm>
+          <a:prstGeom prst="rect">
+            <a:avLst/>
+          </a:prstGeom>
+          <a:ln w="19050">
+            <a:solidFill>
+              <a:srgbClr val="7030A0"/>
+            </a:solidFill>
+          </a:ln>
+          <a:effectLst/>
+        </p:spPr>
+        <p:style>
+          <a:lnRef idx="1">
+            <a:schemeClr val="accent4"/>
+          </a:lnRef>
+          <a:fillRef idx="2">
+            <a:schemeClr val="accent4"/>
+          </a:fillRef>
+          <a:effectRef idx="1">
+            <a:schemeClr val="accent4"/>
+          </a:effectRef>
+          <a:fontRef idx="minor">
+            <a:schemeClr val="dk1"/>
+          </a:fontRef>
+        </p:style>
+        <p:txBody>
+          <a:bodyPr rtlCol="0" anchor="ctr"/>
+          <a:lstStyle/>
+          <a:p>
+            <a:pPr algn="ctr"/>
+            <a:r>
+              <a:rPr lang="en-US" sz="1050" dirty="0">
+                <a:solidFill>
+                  <a:srgbClr val="7030A0"/>
+                </a:solidFill>
+              </a:rPr>
+              <a:t>Leave</a:t>
+            </a:r>
+            <a:endParaRPr lang="en-SG" sz="1050" dirty="0">
+              <a:solidFill>
+                <a:srgbClr val="7030A0"/>
+              </a:solidFill>
+            </a:endParaRPr>
+          </a:p>
+        </p:txBody>
+      </p:sp>
+      <p:cxnSp>
+        <p:nvCxnSpPr>
+          <p:cNvPr id="121" name="Elbow Connector 106">
+            <a:extLst>
+              <a:ext uri="{FF2B5EF4-FFF2-40B4-BE49-F238E27FC236}">
+                <a16:creationId xmlns:a16="http://schemas.microsoft.com/office/drawing/2014/main" id="{128B32C7-626C-468C-A474-8EC00760C28C}"/>
+              </a:ext>
+            </a:extLst>
+          </p:cNvPr>
+          <p:cNvCxnSpPr>
+            <a:cxnSpLocks/>
+            <a:endCxn id="117" idx="0"/>
+          </p:cNvCxnSpPr>
+          <p:nvPr/>
+        </p:nvCxnSpPr>
+        <p:spPr>
+          <a:xfrm>
+            <a:off x="1460646" y="4192085"/>
+            <a:ext cx="3290281" cy="171998"/>
+          </a:xfrm>
+          <a:prstGeom prst="bentConnector2">
+            <a:avLst/>
+          </a:prstGeom>
+          <a:ln w="19050">
+            <a:solidFill>
+              <a:srgbClr val="7030A0"/>
+            </a:solidFill>
+            <a:prstDash val="solid"/>
+            <a:headEnd type="none" w="med" len="med"/>
+            <a:tailEnd type="arrow" w="med" len="med"/>
+          </a:ln>
+          <a:effectLst/>
+        </p:spPr>
+        <p:style>
+          <a:lnRef idx="1">
+            <a:schemeClr val="accent2"/>
+          </a:lnRef>
+          <a:fillRef idx="2">
+            <a:schemeClr val="accent2"/>
+          </a:fillRef>
+          <a:effectRef idx="1">
+            <a:schemeClr val="accent2"/>
+          </a:effectRef>
+          <a:fontRef idx="minor">
+            <a:schemeClr val="dk1"/>
+          </a:fontRef>
+        </p:style>
+      </p:cxnSp>
+      <p:sp>
+        <p:nvSpPr>
+          <p:cNvPr id="123" name="TextBox 122">
+            <a:extLst>
+              <a:ext uri="{FF2B5EF4-FFF2-40B4-BE49-F238E27FC236}">
+                <a16:creationId xmlns:a16="http://schemas.microsoft.com/office/drawing/2014/main" id="{2F3A9E54-5429-4907-89C2-2B11C0DB75A8}"/>
+              </a:ext>
+            </a:extLst>
+          </p:cNvPr>
+          <p:cNvSpPr txBox="1"/>
+          <p:nvPr/>
+        </p:nvSpPr>
+        <p:spPr>
+          <a:xfrm>
+            <a:off x="4540375" y="4192445"/>
+            <a:ext cx="189257" cy="178683"/>
+          </a:xfrm>
+          <a:prstGeom prst="rect">
+            <a:avLst/>
+          </a:prstGeom>
+          <a:noFill/>
+        </p:spPr>
+        <p:txBody>
+          <a:bodyPr wrap="square" lIns="0" tIns="0" rIns="0" bIns="0" rtlCol="0">
+            <a:noAutofit/>
+          </a:bodyPr>
+          <a:lstStyle/>
+          <a:p>
+            <a:pPr algn="ctr"/>
+            <a:r>
+              <a:rPr lang="en-US" sz="1100" dirty="0">
+                <a:solidFill>
+                  <a:srgbClr val="7030A0"/>
+                </a:solidFill>
+              </a:rPr>
+              <a:t>1</a:t>
+            </a:r>
+            <a:endParaRPr lang="en-SG" sz="1100" dirty="0">
+              <a:solidFill>
+                <a:srgbClr val="7030A0"/>
+              </a:solidFill>
+            </a:endParaRPr>
+          </a:p>
+        </p:txBody>
+      </p:sp>
+      <p:sp>
+        <p:nvSpPr>
+          <p:cNvPr id="125" name="TextBox 124">
+            <a:extLst>
+              <a:ext uri="{FF2B5EF4-FFF2-40B4-BE49-F238E27FC236}">
+                <a16:creationId xmlns:a16="http://schemas.microsoft.com/office/drawing/2014/main" id="{2C430F5C-0308-4E6B-A90B-E93578BFB40C}"/>
+              </a:ext>
+            </a:extLst>
+          </p:cNvPr>
+          <p:cNvSpPr txBox="1"/>
+          <p:nvPr/>
+        </p:nvSpPr>
+        <p:spPr>
+          <a:xfrm>
+            <a:off x="3982414" y="3976518"/>
+            <a:ext cx="881018" cy="261610"/>
+          </a:xfrm>
+          <a:prstGeom prst="rect">
+            <a:avLst/>
+          </a:prstGeom>
+          <a:noFill/>
+        </p:spPr>
+        <p:txBody>
+          <a:bodyPr wrap="square" rtlCol="0">
+            <a:spAutoFit/>
+          </a:bodyPr>
+          <a:lstStyle/>
+          <a:p>
+            <a:pPr algn="r"/>
+            <a:r>
+              <a:rPr lang="en-US" sz="1100" dirty="0">
+                <a:solidFill>
+                  <a:srgbClr val="7030A0"/>
+                </a:solidFill>
+              </a:rPr>
+              <a:t>filtered list</a:t>
+            </a:r>
+            <a:endParaRPr lang="en-SG" sz="1100" dirty="0">
+              <a:solidFill>
+                <a:srgbClr val="7030A0"/>
+              </a:solidFill>
+            </a:endParaRPr>
+          </a:p>
+        </p:txBody>
+      </p:sp>
+      <p:sp>
+        <p:nvSpPr>
+          <p:cNvPr id="134" name="Flowchart: Decision 96">
+            <a:extLst>
+              <a:ext uri="{FF2B5EF4-FFF2-40B4-BE49-F238E27FC236}">
+                <a16:creationId xmlns:a16="http://schemas.microsoft.com/office/drawing/2014/main" id="{303D3AFF-D898-4AE4-9D37-136824D7260D}"/>
+              </a:ext>
+            </a:extLst>
+          </p:cNvPr>
+          <p:cNvSpPr/>
+          <p:nvPr/>
+        </p:nvSpPr>
+        <p:spPr>
+          <a:xfrm>
+            <a:off x="5103517" y="4458072"/>
+            <a:ext cx="236048" cy="173380"/>
+          </a:xfrm>
+          <a:prstGeom prst="flowChartDecision">
+            <a:avLst/>
+          </a:prstGeom>
+          <a:solidFill>
+            <a:srgbClr val="7030A0"/>
+          </a:solidFill>
+          <a:ln w="19050">
+            <a:solidFill>
+              <a:srgbClr val="7030A0"/>
+            </a:solidFill>
+          </a:ln>
+          <a:effectLst/>
+        </p:spPr>
+        <p:style>
+          <a:lnRef idx="1">
+            <a:schemeClr val="accent6"/>
+          </a:lnRef>
+          <a:fillRef idx="2">
+            <a:schemeClr val="accent6"/>
+          </a:fillRef>
+          <a:effectRef idx="1">
+            <a:schemeClr val="accent6"/>
+          </a:effectRef>
+          <a:fontRef idx="minor">
+            <a:schemeClr val="dk1"/>
+          </a:fontRef>
+        </p:style>
+        <p:txBody>
+          <a:bodyPr rtlCol="0" anchor="ctr"/>
+          <a:lstStyle/>
+          <a:p>
+            <a:pPr algn="ctr"/>
+            <a:endParaRPr lang="en-US" sz="1050"/>
+          </a:p>
+        </p:txBody>
+      </p:sp>
+      <p:cxnSp>
+        <p:nvCxnSpPr>
+          <p:cNvPr id="135" name="Elbow Connector 80">
+            <a:extLst>
+              <a:ext uri="{FF2B5EF4-FFF2-40B4-BE49-F238E27FC236}">
+                <a16:creationId xmlns:a16="http://schemas.microsoft.com/office/drawing/2014/main" id="{B99C1F09-87BB-467C-90A0-01F6EDE8ED2D}"/>
+              </a:ext>
+            </a:extLst>
+          </p:cNvPr>
+          <p:cNvCxnSpPr>
+            <a:cxnSpLocks/>
+          </p:cNvCxnSpPr>
+          <p:nvPr/>
+        </p:nvCxnSpPr>
+        <p:spPr>
+          <a:xfrm flipV="1">
+            <a:off x="5331839" y="4545081"/>
+            <a:ext cx="276768" cy="1"/>
+          </a:xfrm>
+          <a:prstGeom prst="bentConnector3">
+            <a:avLst/>
+          </a:prstGeom>
+          <a:ln w="19050">
+            <a:solidFill>
+              <a:srgbClr val="7030A0"/>
+            </a:solidFill>
+            <a:headEnd type="none" w="med" len="med"/>
+            <a:tailEnd type="arrow" w="med" len="med"/>
+          </a:ln>
+          <a:effectLst/>
+        </p:spPr>
+        <p:style>
+          <a:lnRef idx="1">
+            <a:schemeClr val="accent2"/>
+          </a:lnRef>
+          <a:fillRef idx="2">
+            <a:schemeClr val="accent2"/>
+          </a:fillRef>
+          <a:effectRef idx="1">
+            <a:schemeClr val="accent2"/>
+          </a:effectRef>
+          <a:fontRef idx="minor">
+            <a:schemeClr val="dk1"/>
+          </a:fontRef>
+        </p:style>
+      </p:cxnSp>
+      <p:cxnSp>
+        <p:nvCxnSpPr>
+          <p:cNvPr id="136" name="Elbow Connector 78">
+            <a:extLst>
+              <a:ext uri="{FF2B5EF4-FFF2-40B4-BE49-F238E27FC236}">
+                <a16:creationId xmlns:a16="http://schemas.microsoft.com/office/drawing/2014/main" id="{D6BE1025-6E22-480F-8C55-99D7EDEB5E84}"/>
+              </a:ext>
+            </a:extLst>
+          </p:cNvPr>
+          <p:cNvCxnSpPr>
+            <a:cxnSpLocks/>
+            <a:endCxn id="142" idx="1"/>
+          </p:cNvCxnSpPr>
+          <p:nvPr/>
+        </p:nvCxnSpPr>
+        <p:spPr>
+          <a:xfrm rot="16200000" flipH="1">
+            <a:off x="5152244" y="4449953"/>
+            <a:ext cx="703321" cy="179898"/>
+          </a:xfrm>
+          <a:prstGeom prst="bentConnector2">
+            <a:avLst/>
+          </a:prstGeom>
+          <a:ln w="19050">
+            <a:solidFill>
+              <a:srgbClr val="7030A0"/>
+            </a:solidFill>
+            <a:headEnd type="none" w="med" len="med"/>
+            <a:tailEnd type="arrow" w="med" len="med"/>
+          </a:ln>
+          <a:effectLst/>
+        </p:spPr>
+        <p:style>
+          <a:lnRef idx="1">
+            <a:schemeClr val="accent2"/>
+          </a:lnRef>
+          <a:fillRef idx="2">
+            <a:schemeClr val="accent2"/>
+          </a:fillRef>
+          <a:effectRef idx="1">
+            <a:schemeClr val="accent2"/>
+          </a:effectRef>
+          <a:fontRef idx="minor">
+            <a:schemeClr val="dk1"/>
+          </a:fontRef>
+        </p:style>
+      </p:cxnSp>
+      <p:sp>
+        <p:nvSpPr>
+          <p:cNvPr id="139" name="Rectangle 8">
+            <a:extLst>
+              <a:ext uri="{FF2B5EF4-FFF2-40B4-BE49-F238E27FC236}">
+                <a16:creationId xmlns:a16="http://schemas.microsoft.com/office/drawing/2014/main" id="{885A8154-3F9C-4393-B7C1-D4F1B297CAE6}"/>
+              </a:ext>
+            </a:extLst>
+          </p:cNvPr>
+          <p:cNvSpPr/>
+          <p:nvPr/>
+        </p:nvSpPr>
+        <p:spPr>
+          <a:xfrm>
+            <a:off x="5592374" y="4391595"/>
+            <a:ext cx="893949" cy="285783"/>
+          </a:xfrm>
+          <a:prstGeom prst="rect">
+            <a:avLst/>
+          </a:prstGeom>
+          <a:ln w="19050">
+            <a:solidFill>
+              <a:srgbClr val="7030A0"/>
+            </a:solidFill>
+          </a:ln>
+          <a:effectLst/>
+        </p:spPr>
+        <p:style>
+          <a:lnRef idx="1">
+            <a:schemeClr val="accent4"/>
+          </a:lnRef>
+          <a:fillRef idx="2">
+            <a:schemeClr val="accent4"/>
+          </a:fillRef>
+          <a:effectRef idx="1">
+            <a:schemeClr val="accent4"/>
+          </a:effectRef>
+          <a:fontRef idx="minor">
+            <a:schemeClr val="dk1"/>
+          </a:fontRef>
+        </p:style>
+        <p:txBody>
+          <a:bodyPr rtlCol="0" anchor="ctr"/>
+          <a:lstStyle/>
+          <a:p>
+            <a:pPr algn="ctr"/>
+            <a:r>
+              <a:rPr lang="en-SG" sz="1050" dirty="0">
+                <a:solidFill>
+                  <a:srgbClr val="7030A0"/>
+                </a:solidFill>
+              </a:rPr>
+              <a:t>Date</a:t>
+            </a:r>
+          </a:p>
+        </p:txBody>
+      </p:sp>
+      <p:sp>
+        <p:nvSpPr>
+          <p:cNvPr id="140" name="Rectangle 8">
+            <a:extLst>
+              <a:ext uri="{FF2B5EF4-FFF2-40B4-BE49-F238E27FC236}">
+                <a16:creationId xmlns:a16="http://schemas.microsoft.com/office/drawing/2014/main" id="{B8303D9B-137E-40D8-8CD3-407673B023EC}"/>
+              </a:ext>
+            </a:extLst>
+          </p:cNvPr>
+          <p:cNvSpPr/>
+          <p:nvPr/>
+        </p:nvSpPr>
+        <p:spPr>
+          <a:xfrm>
+            <a:off x="5586244" y="4004753"/>
+            <a:ext cx="893949" cy="285783"/>
+          </a:xfrm>
+          <a:prstGeom prst="rect">
+            <a:avLst/>
+          </a:prstGeom>
+          <a:ln w="19050">
+            <a:solidFill>
+              <a:srgbClr val="7030A0"/>
+            </a:solidFill>
+          </a:ln>
+          <a:effectLst/>
+        </p:spPr>
+        <p:style>
+          <a:lnRef idx="1">
+            <a:schemeClr val="accent4"/>
+          </a:lnRef>
+          <a:fillRef idx="2">
+            <a:schemeClr val="accent4"/>
+          </a:fillRef>
+          <a:effectRef idx="1">
+            <a:schemeClr val="accent4"/>
+          </a:effectRef>
+          <a:fontRef idx="minor">
+            <a:schemeClr val="dk1"/>
+          </a:fontRef>
+        </p:style>
+        <p:txBody>
+          <a:bodyPr rtlCol="0" anchor="ctr"/>
+          <a:lstStyle/>
+          <a:p>
+            <a:pPr algn="ctr"/>
+            <a:r>
+              <a:rPr lang="en-SG" sz="1050" dirty="0">
+                <a:solidFill>
+                  <a:srgbClr val="7030A0"/>
+                </a:solidFill>
+              </a:rPr>
+              <a:t>Employee ID</a:t>
+            </a:r>
+          </a:p>
+        </p:txBody>
+      </p:sp>
+      <p:sp>
+        <p:nvSpPr>
+          <p:cNvPr id="142" name="Rectangle 8">
+            <a:extLst>
+              <a:ext uri="{FF2B5EF4-FFF2-40B4-BE49-F238E27FC236}">
+                <a16:creationId xmlns:a16="http://schemas.microsoft.com/office/drawing/2014/main" id="{5405A2B0-66BE-4F16-8E83-C43DD8017591}"/>
+              </a:ext>
+            </a:extLst>
+          </p:cNvPr>
+          <p:cNvSpPr/>
+          <p:nvPr/>
+        </p:nvSpPr>
+        <p:spPr>
+          <a:xfrm>
+            <a:off x="5593853" y="4748671"/>
+            <a:ext cx="893949" cy="285783"/>
+          </a:xfrm>
+          <a:prstGeom prst="rect">
+            <a:avLst/>
+          </a:prstGeom>
+          <a:ln w="19050">
+            <a:solidFill>
+              <a:srgbClr val="7030A0"/>
+            </a:solidFill>
+          </a:ln>
+          <a:effectLst/>
+        </p:spPr>
+        <p:style>
+          <a:lnRef idx="1">
+            <a:schemeClr val="accent4"/>
+          </a:lnRef>
+          <a:fillRef idx="2">
+            <a:schemeClr val="accent4"/>
+          </a:fillRef>
+          <a:effectRef idx="1">
+            <a:schemeClr val="accent4"/>
+          </a:effectRef>
+          <a:fontRef idx="minor">
+            <a:schemeClr val="dk1"/>
+          </a:fontRef>
+        </p:style>
+        <p:txBody>
+          <a:bodyPr rtlCol="0" anchor="ctr"/>
+          <a:lstStyle/>
+          <a:p>
+            <a:pPr algn="ctr"/>
+            <a:r>
+              <a:rPr lang="en-SG" sz="1050" dirty="0">
+                <a:solidFill>
+                  <a:srgbClr val="7030A0"/>
+                </a:solidFill>
+              </a:rPr>
+              <a:t>Approval</a:t>
+            </a:r>
+          </a:p>
+        </p:txBody>
+      </p:sp>
+      <p:cxnSp>
+        <p:nvCxnSpPr>
+          <p:cNvPr id="143" name="Elbow Connector 83">
+            <a:extLst>
+              <a:ext uri="{FF2B5EF4-FFF2-40B4-BE49-F238E27FC236}">
+                <a16:creationId xmlns:a16="http://schemas.microsoft.com/office/drawing/2014/main" id="{B00FDB16-8CC4-4C3F-8A52-09CD30E2C109}"/>
+              </a:ext>
+            </a:extLst>
+          </p:cNvPr>
+          <p:cNvCxnSpPr>
+            <a:cxnSpLocks/>
+            <a:endCxn id="140" idx="1"/>
+          </p:cNvCxnSpPr>
+          <p:nvPr/>
+        </p:nvCxnSpPr>
+        <p:spPr>
+          <a:xfrm rot="5400000" flipH="1" flipV="1">
+            <a:off x="5303120" y="4260186"/>
+            <a:ext cx="395665" cy="170584"/>
+          </a:xfrm>
+          <a:prstGeom prst="bentConnector2">
+            <a:avLst/>
+          </a:prstGeom>
+          <a:ln w="19050">
+            <a:solidFill>
+              <a:srgbClr val="7030A0"/>
+            </a:solidFill>
+            <a:headEnd type="none" w="med" len="med"/>
+            <a:tailEnd type="arrow" w="med" len="med"/>
+          </a:ln>
+          <a:effectLst/>
+        </p:spPr>
+        <p:style>
+          <a:lnRef idx="1">
+            <a:schemeClr val="accent2"/>
+          </a:lnRef>
+          <a:fillRef idx="2">
+            <a:schemeClr val="accent2"/>
+          </a:fillRef>
+          <a:effectRef idx="1">
+            <a:schemeClr val="accent2"/>
+          </a:effectRef>
+          <a:fontRef idx="minor">
+            <a:schemeClr val="dk1"/>
+          </a:fontRef>
+        </p:style>
+      </p:cxnSp>
+      <p:cxnSp>
+        <p:nvCxnSpPr>
+          <p:cNvPr id="144" name="Elbow Connector 63">
+            <a:extLst>
+              <a:ext uri="{FF2B5EF4-FFF2-40B4-BE49-F238E27FC236}">
+                <a16:creationId xmlns:a16="http://schemas.microsoft.com/office/drawing/2014/main" id="{8E2A1E74-17A0-41D2-BAFB-4604C13DEB8B}"/>
+              </a:ext>
+            </a:extLst>
+          </p:cNvPr>
+          <p:cNvCxnSpPr>
+            <a:cxnSpLocks/>
+            <a:stCxn id="145" idx="3"/>
+            <a:endCxn id="98" idx="2"/>
+          </p:cNvCxnSpPr>
+          <p:nvPr/>
+        </p:nvCxnSpPr>
+        <p:spPr>
+          <a:xfrm rot="16200000" flipV="1">
+            <a:off x="2121758" y="4880508"/>
+            <a:ext cx="378339" cy="1"/>
+          </a:xfrm>
+          <a:prstGeom prst="bentConnector3">
+            <a:avLst>
+              <a:gd name="adj1" fmla="val 50000"/>
+            </a:avLst>
+          </a:prstGeom>
+          <a:ln w="19050">
+            <a:solidFill>
+              <a:srgbClr val="7030A0"/>
+            </a:solidFill>
+            <a:prstDash val="sysDot"/>
+            <a:headEnd type="none" w="med" len="med"/>
+            <a:tailEnd type="none" w="med" len="med"/>
+          </a:ln>
+          <a:effectLst/>
+        </p:spPr>
+        <p:style>
+          <a:lnRef idx="1">
+            <a:schemeClr val="accent2"/>
+          </a:lnRef>
+          <a:fillRef idx="2">
+            <a:schemeClr val="accent2"/>
+          </a:fillRef>
+          <a:effectRef idx="1">
+            <a:schemeClr val="accent2"/>
+          </a:effectRef>
+          <a:fontRef idx="minor">
+            <a:schemeClr val="dk1"/>
+          </a:fontRef>
+        </p:style>
+      </p:cxnSp>
+      <p:sp>
+        <p:nvSpPr>
+          <p:cNvPr id="145" name="Isosceles Triangle 102">
+            <a:extLst>
+              <a:ext uri="{FF2B5EF4-FFF2-40B4-BE49-F238E27FC236}">
+                <a16:creationId xmlns:a16="http://schemas.microsoft.com/office/drawing/2014/main" id="{F6F3AC74-C2A4-4051-9268-ED56730FFDAD}"/>
+              </a:ext>
+            </a:extLst>
+          </p:cNvPr>
+          <p:cNvSpPr/>
+          <p:nvPr/>
+        </p:nvSpPr>
+        <p:spPr>
+          <a:xfrm flipV="1">
+            <a:off x="2169733" y="5069678"/>
+            <a:ext cx="282387" cy="157062"/>
+          </a:xfrm>
+          <a:prstGeom prst="triangle">
+            <a:avLst/>
+          </a:prstGeom>
+          <a:ln w="19050">
+            <a:solidFill>
+              <a:srgbClr val="7030A0"/>
+            </a:solidFill>
+          </a:ln>
+          <a:effectLst/>
+        </p:spPr>
+        <p:style>
+          <a:lnRef idx="1">
+            <a:schemeClr val="accent4"/>
+          </a:lnRef>
+          <a:fillRef idx="2">
+            <a:schemeClr val="accent4"/>
+          </a:fillRef>
+          <a:effectRef idx="1">
+            <a:schemeClr val="accent4"/>
+          </a:effectRef>
+          <a:fontRef idx="minor">
+            <a:schemeClr val="dk1"/>
+          </a:fontRef>
+        </p:style>
+        <p:txBody>
+          <a:bodyPr rtlCol="0" anchor="ctr"/>
+          <a:lstStyle/>
+          <a:p>
+            <a:pPr algn="ctr"/>
+            <a:endParaRPr lang="en-SG" sz="1050" b="1">
+              <a:solidFill>
+                <a:srgbClr val="92D050"/>
+              </a:solidFill>
+            </a:endParaRPr>
+          </a:p>
+        </p:txBody>
+      </p:sp>
+      <p:sp>
+        <p:nvSpPr>
+          <p:cNvPr id="146" name="Rectangle 8">
+            <a:extLst>
+              <a:ext uri="{FF2B5EF4-FFF2-40B4-BE49-F238E27FC236}">
+                <a16:creationId xmlns:a16="http://schemas.microsoft.com/office/drawing/2014/main" id="{431E1748-E2E8-49E2-B5FD-9F82154A4DFA}"/>
+              </a:ext>
+            </a:extLst>
+          </p:cNvPr>
+          <p:cNvSpPr/>
+          <p:nvPr/>
+        </p:nvSpPr>
+        <p:spPr>
+          <a:xfrm>
+            <a:off x="1799417" y="5246239"/>
+            <a:ext cx="1060683" cy="364396"/>
+          </a:xfrm>
+          <a:prstGeom prst="rect">
+            <a:avLst/>
+          </a:prstGeom>
+          <a:ln w="19050">
+            <a:solidFill>
+              <a:srgbClr val="7030A0"/>
+            </a:solidFill>
+          </a:ln>
+          <a:effectLst/>
+        </p:spPr>
+        <p:style>
+          <a:lnRef idx="1">
+            <a:schemeClr val="accent4"/>
+          </a:lnRef>
+          <a:fillRef idx="2">
+            <a:schemeClr val="accent4"/>
+          </a:fillRef>
+          <a:effectRef idx="1">
+            <a:schemeClr val="accent4"/>
+          </a:effectRef>
+          <a:fontRef idx="minor">
+            <a:schemeClr val="dk1"/>
+          </a:fontRef>
+        </p:style>
+        <p:txBody>
+          <a:bodyPr rtlCol="0" anchor="ctr"/>
+          <a:lstStyle/>
+          <a:p>
+            <a:pPr algn="ctr"/>
+            <a:r>
+              <a:rPr lang="en-US" sz="1050" dirty="0" err="1">
+                <a:solidFill>
+                  <a:srgbClr val="7030A0"/>
+                </a:solidFill>
+              </a:rPr>
+              <a:t>LeaveList</a:t>
+            </a:r>
+            <a:endParaRPr lang="en-SG" sz="1050" dirty="0">
+              <a:solidFill>
+                <a:srgbClr val="7030A0"/>
+              </a:solidFill>
+            </a:endParaRPr>
+          </a:p>
+        </p:txBody>
+      </p:sp>
+      <p:sp>
+        <p:nvSpPr>
+          <p:cNvPr id="147" name="Rectangle 8">
+            <a:extLst>
+              <a:ext uri="{FF2B5EF4-FFF2-40B4-BE49-F238E27FC236}">
+                <a16:creationId xmlns:a16="http://schemas.microsoft.com/office/drawing/2014/main" id="{8421E989-48EC-4587-A1FA-56CA933A1C6D}"/>
+              </a:ext>
+            </a:extLst>
+          </p:cNvPr>
+          <p:cNvSpPr/>
+          <p:nvPr/>
+        </p:nvSpPr>
+        <p:spPr>
+          <a:xfrm>
+            <a:off x="3326644" y="5254243"/>
+            <a:ext cx="1443661" cy="364396"/>
+          </a:xfrm>
+          <a:prstGeom prst="rect">
+            <a:avLst/>
+          </a:prstGeom>
+          <a:ln w="19050">
+            <a:solidFill>
+              <a:srgbClr val="7030A0"/>
+            </a:solidFill>
+          </a:ln>
+          <a:effectLst/>
+        </p:spPr>
+        <p:style>
+          <a:lnRef idx="1">
+            <a:schemeClr val="accent4"/>
+          </a:lnRef>
+          <a:fillRef idx="2">
+            <a:schemeClr val="accent4"/>
+          </a:fillRef>
+          <a:effectRef idx="1">
+            <a:schemeClr val="accent4"/>
+          </a:effectRef>
+          <a:fontRef idx="minor">
+            <a:schemeClr val="dk1"/>
+          </a:fontRef>
+        </p:style>
+        <p:txBody>
+          <a:bodyPr rtlCol="0" anchor="ctr"/>
+          <a:lstStyle/>
+          <a:p>
+            <a:pPr algn="ctr"/>
+            <a:r>
+              <a:rPr lang="en-US" sz="1050" dirty="0">
+                <a:solidFill>
+                  <a:srgbClr val="7030A0"/>
+                </a:solidFill>
+              </a:rPr>
+              <a:t>&lt;&lt;interface&gt;&gt;</a:t>
+            </a:r>
+            <a:br>
+              <a:rPr lang="en-US" sz="1050" dirty="0">
+                <a:solidFill>
+                  <a:srgbClr val="7030A0"/>
+                </a:solidFill>
+              </a:rPr>
+            </a:br>
+            <a:r>
+              <a:rPr lang="en-US" sz="1050">
+                <a:solidFill>
+                  <a:srgbClr val="7030A0"/>
+                </a:solidFill>
+              </a:rPr>
+              <a:t>ReadOnlyLeaveList</a:t>
+            </a:r>
+            <a:endParaRPr lang="en-SG" sz="1050" dirty="0">
+              <a:solidFill>
+                <a:srgbClr val="7030A0"/>
+              </a:solidFill>
+            </a:endParaRPr>
+          </a:p>
+        </p:txBody>
+      </p:sp>
+      <p:sp>
+        <p:nvSpPr>
+          <p:cNvPr id="148" name="Isosceles Triangle 102">
+            <a:extLst>
+              <a:ext uri="{FF2B5EF4-FFF2-40B4-BE49-F238E27FC236}">
+                <a16:creationId xmlns:a16="http://schemas.microsoft.com/office/drawing/2014/main" id="{35B912D1-0F8F-454D-9AFC-4D41C1BAE802}"/>
+              </a:ext>
+            </a:extLst>
+          </p:cNvPr>
+          <p:cNvSpPr/>
+          <p:nvPr/>
+        </p:nvSpPr>
+        <p:spPr>
+          <a:xfrm rot="5400000">
+            <a:off x="3091139" y="5357215"/>
+            <a:ext cx="271014" cy="187417"/>
+          </a:xfrm>
+          <a:prstGeom prst="triangle">
+            <a:avLst>
+              <a:gd name="adj" fmla="val 44517"/>
+            </a:avLst>
+          </a:prstGeom>
+          <a:solidFill>
+            <a:schemeClr val="accent4">
+              <a:lumMod val="20000"/>
+              <a:lumOff val="80000"/>
+            </a:schemeClr>
+          </a:solidFill>
+          <a:ln w="19050">
+            <a:solidFill>
+              <a:srgbClr val="7030A0"/>
+            </a:solidFill>
+          </a:ln>
+          <a:effectLst/>
+        </p:spPr>
+        <p:style>
+          <a:lnRef idx="1">
+            <a:schemeClr val="accent6"/>
+          </a:lnRef>
+          <a:fillRef idx="2">
+            <a:schemeClr val="accent6"/>
+          </a:fillRef>
+          <a:effectRef idx="1">
+            <a:schemeClr val="accent6"/>
+          </a:effectRef>
+          <a:fontRef idx="minor">
+            <a:schemeClr val="dk1"/>
+          </a:fontRef>
+        </p:style>
+        <p:txBody>
+          <a:bodyPr rtlCol="0" anchor="ctr"/>
+          <a:lstStyle/>
+          <a:p>
+            <a:pPr algn="ctr"/>
+            <a:endParaRPr lang="en-SG" sz="1050"/>
+          </a:p>
+        </p:txBody>
+      </p:sp>
+      <p:cxnSp>
+        <p:nvCxnSpPr>
+          <p:cNvPr id="149" name="Elbow Connector 63">
+            <a:extLst>
+              <a:ext uri="{FF2B5EF4-FFF2-40B4-BE49-F238E27FC236}">
+                <a16:creationId xmlns:a16="http://schemas.microsoft.com/office/drawing/2014/main" id="{E3568687-0CD6-4CFD-BD75-CAB3A2A2B353}"/>
+              </a:ext>
+            </a:extLst>
+          </p:cNvPr>
+          <p:cNvCxnSpPr>
+            <a:cxnSpLocks/>
+          </p:cNvCxnSpPr>
+          <p:nvPr/>
+        </p:nvCxnSpPr>
+        <p:spPr>
+          <a:xfrm>
+            <a:off x="2868256" y="5450923"/>
+            <a:ext cx="271892" cy="2821"/>
+          </a:xfrm>
+          <a:prstGeom prst="bentConnector3">
+            <a:avLst>
+              <a:gd name="adj1" fmla="val 50000"/>
+            </a:avLst>
+          </a:prstGeom>
+          <a:ln w="19050">
+            <a:solidFill>
+              <a:srgbClr val="7030A0"/>
+            </a:solidFill>
+            <a:prstDash val="sysDot"/>
+            <a:headEnd type="none" w="med" len="med"/>
+            <a:tailEnd type="none" w="med" len="med"/>
+          </a:ln>
+          <a:effectLst/>
+        </p:spPr>
+        <p:style>
+          <a:lnRef idx="1">
+            <a:schemeClr val="accent2"/>
+          </a:lnRef>
+          <a:fillRef idx="2">
+            <a:schemeClr val="accent2"/>
+          </a:fillRef>
+          <a:effectRef idx="1">
+            <a:schemeClr val="accent2"/>
+          </a:effectRef>
+          <a:fontRef idx="minor">
+            <a:schemeClr val="dk1"/>
           </a:fontRef>
         </p:style>
       </p:cxnSp>
@@ -6878,13 +8338,6 @@
   <p:clrMapOvr>
     <a:masterClrMapping/>
   </p:clrMapOvr>
-  <p:timing>
-    <p:tnLst>
-      <p:par>
-        <p:cTn id="1" dur="indefinite" restart="never" nodeType="tmRoot"/>
-      </p:par>
-    </p:tnLst>
-  </p:timing>
 </p:sld>
 </file>
 
